--- a/TNSDC PROJECT.pptx
+++ b/TNSDC PROJECT.pptx
@@ -2,27 +2,26 @@
 <file path=ppt/presentation.xml><?xml version="1.0" encoding="utf-8"?>
 <p:presentation xmlns:a="http://schemas.openxmlformats.org/drawingml/2006/main" xmlns:r="http://schemas.openxmlformats.org/officeDocument/2006/relationships" xmlns:p="http://schemas.openxmlformats.org/presentationml/2006/main">
   <p:sldMasterIdLst>
-    <p:sldMasterId id="2147483729" r:id="rId1"/>
+    <p:sldMasterId id="2147483812" r:id="rId1"/>
   </p:sldMasterIdLst>
   <p:notesMasterIdLst>
-    <p:notesMasterId r:id="rId17"/>
+    <p:notesMasterId r:id="rId16"/>
   </p:notesMasterIdLst>
   <p:sldIdLst>
     <p:sldId id="256" r:id="rId2"/>
     <p:sldId id="257" r:id="rId3"/>
-    <p:sldId id="258" r:id="rId4"/>
-    <p:sldId id="259" r:id="rId5"/>
-    <p:sldId id="260" r:id="rId6"/>
-    <p:sldId id="261" r:id="rId7"/>
-    <p:sldId id="262" r:id="rId8"/>
-    <p:sldId id="270" r:id="rId9"/>
-    <p:sldId id="269" r:id="rId10"/>
-    <p:sldId id="263" r:id="rId11"/>
-    <p:sldId id="264" r:id="rId12"/>
-    <p:sldId id="265" r:id="rId13"/>
-    <p:sldId id="271" r:id="rId14"/>
-    <p:sldId id="272" r:id="rId15"/>
-    <p:sldId id="268" r:id="rId16"/>
+    <p:sldId id="259" r:id="rId4"/>
+    <p:sldId id="260" r:id="rId5"/>
+    <p:sldId id="261" r:id="rId6"/>
+    <p:sldId id="262" r:id="rId7"/>
+    <p:sldId id="270" r:id="rId8"/>
+    <p:sldId id="269" r:id="rId9"/>
+    <p:sldId id="263" r:id="rId10"/>
+    <p:sldId id="264" r:id="rId11"/>
+    <p:sldId id="265" r:id="rId12"/>
+    <p:sldId id="271" r:id="rId13"/>
+    <p:sldId id="272" r:id="rId14"/>
+    <p:sldId id="268" r:id="rId15"/>
   </p:sldIdLst>
   <p:sldSz cx="12192000" cy="6858000"/>
   <p:notesSz cx="12192000" cy="6858000"/>
@@ -833,7 +832,6 @@
   </c:pivotSource>
   <c:chart>
     <c:title>
-      <c:layout/>
       <c:overlay val="0"/>
       <c:spPr>
         <a:noFill/>
@@ -1432,7 +1430,6 @@
     </c:plotArea>
     <c:legend>
       <c:legendPos val="r"/>
-      <c:layout/>
       <c:overlay val="0"/>
       <c:spPr>
         <a:noFill/>
@@ -4467,7 +4464,7 @@
 </file>
 
 <file path=ppt/slideLayouts/slideLayout1.xml><?xml version="1.0" encoding="utf-8"?>
-<p:sldLayout xmlns:a="http://schemas.openxmlformats.org/drawingml/2006/main" xmlns:r="http://schemas.openxmlformats.org/officeDocument/2006/relationships" xmlns:p="http://schemas.openxmlformats.org/presentationml/2006/main" type="title" preserve="1">
+<p:sldLayout xmlns:a="http://schemas.openxmlformats.org/drawingml/2006/main" xmlns:r="http://schemas.openxmlformats.org/officeDocument/2006/relationships" xmlns:p="http://schemas.openxmlformats.org/presentationml/2006/main" showMasterSp="0" type="title" preserve="1">
   <p:cSld name="Title Slide">
     <p:spTree>
       <p:nvGrpSpPr>
@@ -5247,7 +5244,7 @@
     </p:spTree>
     <p:extLst>
       <p:ext uri="{BB962C8B-B14F-4D97-AF65-F5344CB8AC3E}">
-        <p14:creationId xmlns:p14="http://schemas.microsoft.com/office/powerpoint/2010/main" val="3369182300"/>
+        <p14:creationId xmlns:p14="http://schemas.microsoft.com/office/powerpoint/2010/main" val="2274100983"/>
       </p:ext>
     </p:extLst>
   </p:cSld>
@@ -5525,7 +5522,7 @@
     </p:spTree>
     <p:extLst>
       <p:ext uri="{BB962C8B-B14F-4D97-AF65-F5344CB8AC3E}">
-        <p14:creationId xmlns:p14="http://schemas.microsoft.com/office/powerpoint/2010/main" val="497322820"/>
+        <p14:creationId xmlns:p14="http://schemas.microsoft.com/office/powerpoint/2010/main" val="928377964"/>
       </p:ext>
     </p:extLst>
   </p:cSld>
@@ -5944,7 +5941,7 @@
     </p:spTree>
     <p:extLst>
       <p:ext uri="{BB962C8B-B14F-4D97-AF65-F5344CB8AC3E}">
-        <p14:creationId xmlns:p14="http://schemas.microsoft.com/office/powerpoint/2010/main" val="1003264871"/>
+        <p14:creationId xmlns:p14="http://schemas.microsoft.com/office/powerpoint/2010/main" val="1585141887"/>
       </p:ext>
     </p:extLst>
   </p:cSld>
@@ -6210,7 +6207,7 @@
     </p:spTree>
     <p:extLst>
       <p:ext uri="{BB962C8B-B14F-4D97-AF65-F5344CB8AC3E}">
-        <p14:creationId xmlns:p14="http://schemas.microsoft.com/office/powerpoint/2010/main" val="598361334"/>
+        <p14:creationId xmlns:p14="http://schemas.microsoft.com/office/powerpoint/2010/main" val="506648772"/>
       </p:ext>
     </p:extLst>
   </p:cSld>
@@ -6621,20 +6618,13 @@
     </p:spTree>
     <p:extLst>
       <p:ext uri="{BB962C8B-B14F-4D97-AF65-F5344CB8AC3E}">
-        <p14:creationId xmlns:p14="http://schemas.microsoft.com/office/powerpoint/2010/main" val="2257609935"/>
+        <p14:creationId xmlns:p14="http://schemas.microsoft.com/office/powerpoint/2010/main" val="785774282"/>
       </p:ext>
     </p:extLst>
   </p:cSld>
   <p:clrMapOvr>
     <a:masterClrMapping/>
   </p:clrMapOvr>
-  <p:timing>
-    <p:tnLst>
-      <p:par>
-        <p:cTn id="1" dur="indefinite" restart="never" nodeType="tmRoot"/>
-      </p:par>
-    </p:tnLst>
-  </p:timing>
 </p:sldLayout>
 </file>
 
@@ -6947,20 +6937,13 @@
     </p:spTree>
     <p:extLst>
       <p:ext uri="{BB962C8B-B14F-4D97-AF65-F5344CB8AC3E}">
-        <p14:creationId xmlns:p14="http://schemas.microsoft.com/office/powerpoint/2010/main" val="3691931383"/>
+        <p14:creationId xmlns:p14="http://schemas.microsoft.com/office/powerpoint/2010/main" val="2131036309"/>
       </p:ext>
     </p:extLst>
   </p:cSld>
   <p:clrMapOvr>
     <a:masterClrMapping/>
   </p:clrMapOvr>
-  <p:timing>
-    <p:tnLst>
-      <p:par>
-        <p:cTn id="1" dur="indefinite" restart="never" nodeType="tmRoot"/>
-      </p:par>
-    </p:tnLst>
-  </p:timing>
 </p:sldLayout>
 </file>
 
@@ -7132,7 +7115,7 @@
     </p:spTree>
     <p:extLst>
       <p:ext uri="{BB962C8B-B14F-4D97-AF65-F5344CB8AC3E}">
-        <p14:creationId xmlns:p14="http://schemas.microsoft.com/office/powerpoint/2010/main" val="4064761885"/>
+        <p14:creationId xmlns:p14="http://schemas.microsoft.com/office/powerpoint/2010/main" val="1009435104"/>
       </p:ext>
     </p:extLst>
   </p:cSld>
@@ -7327,7 +7310,7 @@
     </p:spTree>
     <p:extLst>
       <p:ext uri="{BB962C8B-B14F-4D97-AF65-F5344CB8AC3E}">
-        <p14:creationId xmlns:p14="http://schemas.microsoft.com/office/powerpoint/2010/main" val="3409999997"/>
+        <p14:creationId xmlns:p14="http://schemas.microsoft.com/office/powerpoint/2010/main" val="426229566"/>
       </p:ext>
     </p:extLst>
   </p:cSld>
@@ -7518,7 +7501,7 @@
     </p:spTree>
     <p:extLst>
       <p:ext uri="{BB962C8B-B14F-4D97-AF65-F5344CB8AC3E}">
-        <p14:creationId xmlns:p14="http://schemas.microsoft.com/office/powerpoint/2010/main" val="2443659167"/>
+        <p14:creationId xmlns:p14="http://schemas.microsoft.com/office/powerpoint/2010/main" val="3959726466"/>
       </p:ext>
     </p:extLst>
   </p:cSld>
@@ -7792,7 +7775,7 @@
     </p:spTree>
     <p:extLst>
       <p:ext uri="{BB962C8B-B14F-4D97-AF65-F5344CB8AC3E}">
-        <p14:creationId xmlns:p14="http://schemas.microsoft.com/office/powerpoint/2010/main" val="3194937827"/>
+        <p14:creationId xmlns:p14="http://schemas.microsoft.com/office/powerpoint/2010/main" val="656778429"/>
       </p:ext>
     </p:extLst>
   </p:cSld>
@@ -8039,7 +8022,7 @@
     </p:spTree>
     <p:extLst>
       <p:ext uri="{BB962C8B-B14F-4D97-AF65-F5344CB8AC3E}">
-        <p14:creationId xmlns:p14="http://schemas.microsoft.com/office/powerpoint/2010/main" val="4092235304"/>
+        <p14:creationId xmlns:p14="http://schemas.microsoft.com/office/powerpoint/2010/main" val="233525461"/>
       </p:ext>
     </p:extLst>
   </p:cSld>
@@ -8440,7 +8423,7 @@
     </p:spTree>
     <p:extLst>
       <p:ext uri="{BB962C8B-B14F-4D97-AF65-F5344CB8AC3E}">
-        <p14:creationId xmlns:p14="http://schemas.microsoft.com/office/powerpoint/2010/main" val="3769655244"/>
+        <p14:creationId xmlns:p14="http://schemas.microsoft.com/office/powerpoint/2010/main" val="3797689081"/>
       </p:ext>
     </p:extLst>
   </p:cSld>
@@ -8578,7 +8561,7 @@
     </p:spTree>
     <p:extLst>
       <p:ext uri="{BB962C8B-B14F-4D97-AF65-F5344CB8AC3E}">
-        <p14:creationId xmlns:p14="http://schemas.microsoft.com/office/powerpoint/2010/main" val="2081385059"/>
+        <p14:creationId xmlns:p14="http://schemas.microsoft.com/office/powerpoint/2010/main" val="3357182674"/>
       </p:ext>
     </p:extLst>
   </p:cSld>
@@ -8700,7 +8683,7 @@
     </p:spTree>
     <p:extLst>
       <p:ext uri="{BB962C8B-B14F-4D97-AF65-F5344CB8AC3E}">
-        <p14:creationId xmlns:p14="http://schemas.microsoft.com/office/powerpoint/2010/main" val="1180257345"/>
+        <p14:creationId xmlns:p14="http://schemas.microsoft.com/office/powerpoint/2010/main" val="1577269623"/>
       </p:ext>
     </p:extLst>
   </p:cSld>
@@ -8982,7 +8965,7 @@
     </p:spTree>
     <p:extLst>
       <p:ext uri="{BB962C8B-B14F-4D97-AF65-F5344CB8AC3E}">
-        <p14:creationId xmlns:p14="http://schemas.microsoft.com/office/powerpoint/2010/main" val="2649242479"/>
+        <p14:creationId xmlns:p14="http://schemas.microsoft.com/office/powerpoint/2010/main" val="326523617"/>
       </p:ext>
     </p:extLst>
   </p:cSld>
@@ -9260,7 +9243,7 @@
     </p:spTree>
     <p:extLst>
       <p:ext uri="{BB962C8B-B14F-4D97-AF65-F5344CB8AC3E}">
-        <p14:creationId xmlns:p14="http://schemas.microsoft.com/office/powerpoint/2010/main" val="165462581"/>
+        <p14:creationId xmlns:p14="http://schemas.microsoft.com/office/powerpoint/2010/main" val="1346640282"/>
       </p:ext>
     </p:extLst>
   </p:cSld>
@@ -10052,28 +10035,28 @@
     </p:spTree>
     <p:extLst>
       <p:ext uri="{BB962C8B-B14F-4D97-AF65-F5344CB8AC3E}">
-        <p14:creationId xmlns:p14="http://schemas.microsoft.com/office/powerpoint/2010/main" val="4017460648"/>
+        <p14:creationId xmlns:p14="http://schemas.microsoft.com/office/powerpoint/2010/main" val="426201538"/>
       </p:ext>
     </p:extLst>
   </p:cSld>
   <p:clrMap bg1="lt1" tx1="dk1" bg2="lt2" tx2="dk2" accent1="accent1" accent2="accent2" accent3="accent3" accent4="accent4" accent5="accent5" accent6="accent6" hlink="hlink" folHlink="folHlink"/>
   <p:sldLayoutIdLst>
-    <p:sldLayoutId id="2147483730" r:id="rId1"/>
-    <p:sldLayoutId id="2147483731" r:id="rId2"/>
-    <p:sldLayoutId id="2147483732" r:id="rId3"/>
-    <p:sldLayoutId id="2147483733" r:id="rId4"/>
-    <p:sldLayoutId id="2147483734" r:id="rId5"/>
-    <p:sldLayoutId id="2147483735" r:id="rId6"/>
-    <p:sldLayoutId id="2147483736" r:id="rId7"/>
-    <p:sldLayoutId id="2147483737" r:id="rId8"/>
-    <p:sldLayoutId id="2147483738" r:id="rId9"/>
-    <p:sldLayoutId id="2147483739" r:id="rId10"/>
-    <p:sldLayoutId id="2147483740" r:id="rId11"/>
-    <p:sldLayoutId id="2147483741" r:id="rId12"/>
-    <p:sldLayoutId id="2147483742" r:id="rId13"/>
-    <p:sldLayoutId id="2147483743" r:id="rId14"/>
-    <p:sldLayoutId id="2147483744" r:id="rId15"/>
-    <p:sldLayoutId id="2147483745" r:id="rId16"/>
+    <p:sldLayoutId id="2147483813" r:id="rId1"/>
+    <p:sldLayoutId id="2147483814" r:id="rId2"/>
+    <p:sldLayoutId id="2147483815" r:id="rId3"/>
+    <p:sldLayoutId id="2147483816" r:id="rId4"/>
+    <p:sldLayoutId id="2147483817" r:id="rId5"/>
+    <p:sldLayoutId id="2147483818" r:id="rId6"/>
+    <p:sldLayoutId id="2147483819" r:id="rId7"/>
+    <p:sldLayoutId id="2147483820" r:id="rId8"/>
+    <p:sldLayoutId id="2147483821" r:id="rId9"/>
+    <p:sldLayoutId id="2147483822" r:id="rId10"/>
+    <p:sldLayoutId id="2147483823" r:id="rId11"/>
+    <p:sldLayoutId id="2147483824" r:id="rId12"/>
+    <p:sldLayoutId id="2147483825" r:id="rId13"/>
+    <p:sldLayoutId id="2147483826" r:id="rId14"/>
+    <p:sldLayoutId id="2147483827" r:id="rId15"/>
+    <p:sldLayoutId id="2147483828" r:id="rId16"/>
   </p:sldLayoutIdLst>
   <mc:AlternateContent xmlns:mc="http://schemas.openxmlformats.org/markup-compatibility/2006" xmlns:p14="http://schemas.microsoft.com/office/powerpoint/2010/main">
     <mc:Choice Requires="p14">
@@ -10804,7 +10787,7 @@
           </a:bodyPr>
           <a:lstStyle/>
           <a:p>
-            <a:pPr marL="3213735">
+            <a:pPr marL="3213735" algn="ctr">
               <a:spcBef>
                 <a:spcPts val="130"/>
               </a:spcBef>
@@ -10937,7 +10920,7 @@
             </a:r>
             <a:r>
               <a:rPr lang="en-US" sz="2400" dirty="0" smtClean="0"/>
-              <a:t>NAME:SAARATHI H</a:t>
+              <a:t>NAME:SAARTHI H.</a:t>
             </a:r>
             <a:endParaRPr lang="en-US" sz="2400" dirty="0"/>
           </a:p>
@@ -10948,7 +10931,7 @@
             </a:r>
             <a:r>
               <a:rPr lang="en-US" sz="2400" dirty="0" smtClean="0"/>
-              <a:t>NO:2213111036043.</a:t>
+              <a:t>NO:2213111036043</a:t>
             </a:r>
             <a:endParaRPr lang="en-US" sz="2400" dirty="0"/>
           </a:p>
@@ -10959,7 +10942,37 @@
             </a:r>
             <a:r>
               <a:rPr lang="en-US" sz="2400" dirty="0" smtClean="0"/>
-              <a:t>ID:asum13112022batch/2230043</a:t>
+              <a:t>ID:</a:t>
+            </a:r>
+            <a:r>
+              <a:rPr lang="en-US" dirty="0" smtClean="0">
+                <a:hlinkClick r:id="rId4"/>
+              </a:rPr>
+              <a:t>466</a:t>
+            </a:r>
+            <a:r>
+              <a:rPr lang="en-US" dirty="0" smtClean="0"/>
+              <a:t>E58C</a:t>
+            </a:r>
+            <a:r>
+              <a:rPr lang="en-US" dirty="0" smtClean="0">
+                <a:hlinkClick r:id="rId5"/>
+              </a:rPr>
+              <a:t>909503</a:t>
+            </a:r>
+            <a:r>
+              <a:rPr lang="en-US" dirty="0" smtClean="0"/>
+              <a:t>EB8A</a:t>
+            </a:r>
+            <a:r>
+              <a:rPr lang="en-US" dirty="0" smtClean="0">
+                <a:hlinkClick r:id="rId6"/>
+              </a:rPr>
+              <a:t>244</a:t>
+            </a:r>
+            <a:r>
+              <a:rPr lang="en-US" dirty="0" smtClean="0"/>
+              <a:t>AF8B70AA9C90.</a:t>
             </a:r>
             <a:endParaRPr lang="en-US" sz="2400" dirty="0"/>
           </a:p>
@@ -11005,567 +11018,6 @@
 </file>
 
 <file path=ppt/slides/slide10.xml><?xml version="1.0" encoding="utf-8"?>
-<p:sld xmlns:a="http://schemas.openxmlformats.org/drawingml/2006/main" xmlns:r="http://schemas.openxmlformats.org/officeDocument/2006/relationships" xmlns:p="http://schemas.openxmlformats.org/presentationml/2006/main">
-  <p:cSld>
-    <p:spTree>
-      <p:nvGrpSpPr>
-        <p:cNvPr id="1" name=""/>
-        <p:cNvGrpSpPr/>
-        <p:nvPr/>
-      </p:nvGrpSpPr>
-      <p:grpSpPr>
-        <a:xfrm>
-          <a:off x="0" y="0"/>
-          <a:ext cx="0" cy="0"/>
-          <a:chOff x="0" y="0"/>
-          <a:chExt cx="0" cy="0"/>
-        </a:xfrm>
-      </p:grpSpPr>
-      <p:sp>
-        <p:nvSpPr>
-          <p:cNvPr id="2" name="object 2"/>
-          <p:cNvSpPr txBox="1"/>
-          <p:nvPr/>
-        </p:nvSpPr>
-        <p:spPr>
-          <a:xfrm>
-            <a:off x="752475" y="6486037"/>
-            <a:ext cx="1773555" cy="166370"/>
-          </a:xfrm>
-          <a:prstGeom prst="rect">
-            <a:avLst/>
-          </a:prstGeom>
-        </p:spPr>
-        <p:txBody>
-          <a:bodyPr vert="horz" wrap="square" lIns="0" tIns="0" rIns="0" bIns="0" rtlCol="0">
-            <a:spAutoFit/>
-          </a:bodyPr>
-          <a:lstStyle/>
-          <a:p>
-            <a:pPr>
-              <a:lnSpc>
-                <a:spcPts val="1275"/>
-              </a:lnSpc>
-            </a:pPr>
-            <a:r>
-              <a:rPr sz="1100" spc="20" dirty="0">
-                <a:solidFill>
-                  <a:srgbClr val="2D83C3"/>
-                </a:solidFill>
-                <a:latin typeface="Trebuchet MS"/>
-                <a:cs typeface="Trebuchet MS"/>
-              </a:rPr>
-              <a:t>3/21/202</a:t>
-            </a:r>
-            <a:r>
-              <a:rPr sz="1100" spc="10" dirty="0">
-                <a:solidFill>
-                  <a:srgbClr val="2D83C3"/>
-                </a:solidFill>
-                <a:latin typeface="Trebuchet MS"/>
-                <a:cs typeface="Trebuchet MS"/>
-              </a:rPr>
-              <a:t>4</a:t>
-            </a:r>
-            <a:r>
-              <a:rPr sz="1100" dirty="0">
-                <a:solidFill>
-                  <a:srgbClr val="2D83C3"/>
-                </a:solidFill>
-                <a:latin typeface="Trebuchet MS"/>
-                <a:cs typeface="Trebuchet MS"/>
-              </a:rPr>
-              <a:t> </a:t>
-            </a:r>
-            <a:r>
-              <a:rPr sz="1100" spc="130" dirty="0">
-                <a:solidFill>
-                  <a:srgbClr val="2D83C3"/>
-                </a:solidFill>
-                <a:latin typeface="Trebuchet MS"/>
-                <a:cs typeface="Trebuchet MS"/>
-              </a:rPr>
-              <a:t> </a:t>
-            </a:r>
-            <a:r>
-              <a:rPr sz="1100" b="1" spc="50" dirty="0">
-                <a:solidFill>
-                  <a:srgbClr val="2D83C3"/>
-                </a:solidFill>
-                <a:latin typeface="Trebuchet MS"/>
-                <a:cs typeface="Trebuchet MS"/>
-              </a:rPr>
-              <a:t>A</a:t>
-            </a:r>
-            <a:r>
-              <a:rPr sz="1100" b="1" spc="15" dirty="0">
-                <a:solidFill>
-                  <a:srgbClr val="2D83C3"/>
-                </a:solidFill>
-                <a:latin typeface="Trebuchet MS"/>
-                <a:cs typeface="Trebuchet MS"/>
-              </a:rPr>
-              <a:t>nnu</a:t>
-            </a:r>
-            <a:r>
-              <a:rPr sz="1100" b="1" spc="10" dirty="0">
-                <a:solidFill>
-                  <a:srgbClr val="2D83C3"/>
-                </a:solidFill>
-                <a:latin typeface="Trebuchet MS"/>
-                <a:cs typeface="Trebuchet MS"/>
-              </a:rPr>
-              <a:t>al</a:t>
-            </a:r>
-            <a:r>
-              <a:rPr sz="1100" b="1" spc="-140" dirty="0">
-                <a:solidFill>
-                  <a:srgbClr val="2D83C3"/>
-                </a:solidFill>
-                <a:latin typeface="Trebuchet MS"/>
-                <a:cs typeface="Trebuchet MS"/>
-              </a:rPr>
-              <a:t> </a:t>
-            </a:r>
-            <a:r>
-              <a:rPr sz="1100" b="1" dirty="0">
-                <a:solidFill>
-                  <a:srgbClr val="2D83C3"/>
-                </a:solidFill>
-                <a:latin typeface="Trebuchet MS"/>
-                <a:cs typeface="Trebuchet MS"/>
-              </a:rPr>
-              <a:t>R</a:t>
-            </a:r>
-            <a:r>
-              <a:rPr sz="1100" b="1" spc="35" dirty="0">
-                <a:solidFill>
-                  <a:srgbClr val="2D83C3"/>
-                </a:solidFill>
-                <a:latin typeface="Trebuchet MS"/>
-                <a:cs typeface="Trebuchet MS"/>
-              </a:rPr>
-              <a:t>e</a:t>
-            </a:r>
-            <a:r>
-              <a:rPr sz="1100" b="1" spc="90" dirty="0">
-                <a:solidFill>
-                  <a:srgbClr val="2D83C3"/>
-                </a:solidFill>
-                <a:latin typeface="Trebuchet MS"/>
-                <a:cs typeface="Trebuchet MS"/>
-              </a:rPr>
-              <a:t>v</a:t>
-            </a:r>
-            <a:r>
-              <a:rPr sz="1100" b="1" spc="-35" dirty="0">
-                <a:solidFill>
-                  <a:srgbClr val="2D83C3"/>
-                </a:solidFill>
-                <a:latin typeface="Trebuchet MS"/>
-                <a:cs typeface="Trebuchet MS"/>
-              </a:rPr>
-              <a:t>i</a:t>
-            </a:r>
-            <a:r>
-              <a:rPr sz="1100" b="1" spc="35" dirty="0">
-                <a:solidFill>
-                  <a:srgbClr val="2D83C3"/>
-                </a:solidFill>
-                <a:latin typeface="Trebuchet MS"/>
-                <a:cs typeface="Trebuchet MS"/>
-              </a:rPr>
-              <a:t>e</a:t>
-            </a:r>
-            <a:r>
-              <a:rPr sz="1100" b="1" spc="15" dirty="0">
-                <a:solidFill>
-                  <a:srgbClr val="2D83C3"/>
-                </a:solidFill>
-                <a:latin typeface="Trebuchet MS"/>
-                <a:cs typeface="Trebuchet MS"/>
-              </a:rPr>
-              <a:t>w</a:t>
-            </a:r>
-            <a:endParaRPr sz="1100">
-              <a:latin typeface="Trebuchet MS"/>
-              <a:cs typeface="Trebuchet MS"/>
-            </a:endParaRPr>
-          </a:p>
-        </p:txBody>
-      </p:sp>
-      <p:sp>
-        <p:nvSpPr>
-          <p:cNvPr id="3" name="object 3"/>
-          <p:cNvSpPr/>
-          <p:nvPr/>
-        </p:nvSpPr>
-        <p:spPr>
-          <a:xfrm>
-            <a:off x="9353550" y="5362575"/>
-            <a:ext cx="457200" cy="457200"/>
-          </a:xfrm>
-          <a:custGeom>
-            <a:avLst/>
-            <a:gdLst/>
-            <a:ahLst/>
-            <a:cxnLst/>
-            <a:rect l="l" t="t" r="r" b="b"/>
-            <a:pathLst>
-              <a:path w="457200" h="457200">
-                <a:moveTo>
-                  <a:pt x="457200" y="0"/>
-                </a:moveTo>
-                <a:lnTo>
-                  <a:pt x="0" y="0"/>
-                </a:lnTo>
-                <a:lnTo>
-                  <a:pt x="0" y="457200"/>
-                </a:lnTo>
-                <a:lnTo>
-                  <a:pt x="457200" y="457200"/>
-                </a:lnTo>
-                <a:lnTo>
-                  <a:pt x="457200" y="0"/>
-                </a:lnTo>
-                <a:close/>
-              </a:path>
-            </a:pathLst>
-          </a:custGeom>
-          <a:solidFill>
-            <a:srgbClr val="42AF51"/>
-          </a:solidFill>
-        </p:spPr>
-        <p:txBody>
-          <a:bodyPr wrap="square" lIns="0" tIns="0" rIns="0" bIns="0" rtlCol="0"/>
-          <a:lstStyle/>
-          <a:p>
-            <a:endParaRPr/>
-          </a:p>
-        </p:txBody>
-      </p:sp>
-      <p:sp>
-        <p:nvSpPr>
-          <p:cNvPr id="4" name="object 4"/>
-          <p:cNvSpPr/>
-          <p:nvPr/>
-        </p:nvSpPr>
-        <p:spPr>
-          <a:xfrm>
-            <a:off x="6696075" y="1695450"/>
-            <a:ext cx="314325" cy="323850"/>
-          </a:xfrm>
-          <a:custGeom>
-            <a:avLst/>
-            <a:gdLst/>
-            <a:ahLst/>
-            <a:cxnLst/>
-            <a:rect l="l" t="t" r="r" b="b"/>
-            <a:pathLst>
-              <a:path w="314325" h="323850">
-                <a:moveTo>
-                  <a:pt x="314325" y="0"/>
-                </a:moveTo>
-                <a:lnTo>
-                  <a:pt x="0" y="0"/>
-                </a:lnTo>
-                <a:lnTo>
-                  <a:pt x="0" y="323850"/>
-                </a:lnTo>
-                <a:lnTo>
-                  <a:pt x="314325" y="323850"/>
-                </a:lnTo>
-                <a:lnTo>
-                  <a:pt x="314325" y="0"/>
-                </a:lnTo>
-                <a:close/>
-              </a:path>
-            </a:pathLst>
-          </a:custGeom>
-          <a:solidFill>
-            <a:srgbClr val="2D83C3"/>
-          </a:solidFill>
-        </p:spPr>
-        <p:txBody>
-          <a:bodyPr wrap="square" lIns="0" tIns="0" rIns="0" bIns="0" rtlCol="0"/>
-          <a:lstStyle/>
-          <a:p>
-            <a:endParaRPr/>
-          </a:p>
-        </p:txBody>
-      </p:sp>
-      <p:sp>
-        <p:nvSpPr>
-          <p:cNvPr id="5" name="object 5"/>
-          <p:cNvSpPr/>
-          <p:nvPr/>
-        </p:nvSpPr>
-        <p:spPr>
-          <a:xfrm>
-            <a:off x="9353550" y="5895975"/>
-            <a:ext cx="180975" cy="180975"/>
-          </a:xfrm>
-          <a:custGeom>
-            <a:avLst/>
-            <a:gdLst/>
-            <a:ahLst/>
-            <a:cxnLst/>
-            <a:rect l="l" t="t" r="r" b="b"/>
-            <a:pathLst>
-              <a:path w="180975" h="180975">
-                <a:moveTo>
-                  <a:pt x="180975" y="0"/>
-                </a:moveTo>
-                <a:lnTo>
-                  <a:pt x="0" y="0"/>
-                </a:lnTo>
-                <a:lnTo>
-                  <a:pt x="0" y="180975"/>
-                </a:lnTo>
-                <a:lnTo>
-                  <a:pt x="180975" y="180975"/>
-                </a:lnTo>
-                <a:lnTo>
-                  <a:pt x="180975" y="0"/>
-                </a:lnTo>
-                <a:close/>
-              </a:path>
-            </a:pathLst>
-          </a:custGeom>
-          <a:solidFill>
-            <a:srgbClr val="2D936B"/>
-          </a:solidFill>
-        </p:spPr>
-        <p:txBody>
-          <a:bodyPr wrap="square" lIns="0" tIns="0" rIns="0" bIns="0" rtlCol="0"/>
-          <a:lstStyle/>
-          <a:p>
-            <a:endParaRPr/>
-          </a:p>
-        </p:txBody>
-      </p:sp>
-      <p:pic>
-        <p:nvPicPr>
-          <p:cNvPr id="6" name="object 6"/>
-          <p:cNvPicPr/>
-          <p:nvPr/>
-        </p:nvPicPr>
-        <p:blipFill>
-          <a:blip r:embed="rId2" cstate="print"/>
-          <a:stretch>
-            <a:fillRect/>
-          </a:stretch>
-        </p:blipFill>
-        <p:spPr>
-          <a:xfrm>
-            <a:off x="66675" y="3381373"/>
-            <a:ext cx="2466975" cy="3419475"/>
-          </a:xfrm>
-          <a:prstGeom prst="rect">
-            <a:avLst/>
-          </a:prstGeom>
-        </p:spPr>
-      </p:pic>
-      <p:sp>
-        <p:nvSpPr>
-          <p:cNvPr id="7" name="object 7"/>
-          <p:cNvSpPr txBox="1">
-            <a:spLocks noGrp="1"/>
-          </p:cNvSpPr>
-          <p:nvPr>
-            <p:ph type="title"/>
-          </p:nvPr>
-        </p:nvSpPr>
-        <p:spPr>
-          <a:xfrm>
-            <a:off x="739775" y="654938"/>
-            <a:ext cx="8480425" cy="670696"/>
-          </a:xfrm>
-          <a:prstGeom prst="rect">
-            <a:avLst/>
-          </a:prstGeom>
-        </p:spPr>
-        <p:txBody>
-          <a:bodyPr vert="horz" wrap="square" lIns="0" tIns="16510" rIns="0" bIns="0" rtlCol="0">
-            <a:spAutoFit/>
-          </a:bodyPr>
-          <a:lstStyle/>
-          <a:p>
-            <a:pPr marL="12700">
-              <a:lnSpc>
-                <a:spcPct val="100000"/>
-              </a:lnSpc>
-              <a:spcBef>
-                <a:spcPts val="130"/>
-              </a:spcBef>
-            </a:pPr>
-            <a:r>
-              <a:rPr sz="4250" spc="15" dirty="0"/>
-              <a:t>THE</a:t>
-            </a:r>
-            <a:r>
-              <a:rPr sz="4250" spc="20" dirty="0"/>
-              <a:t> </a:t>
-            </a:r>
-            <a:r>
-              <a:rPr lang="en-US" sz="4250" spc="20" dirty="0"/>
-              <a:t>"</a:t>
-            </a:r>
-            <a:r>
-              <a:rPr sz="4250" spc="10" dirty="0"/>
-              <a:t>WOW</a:t>
-            </a:r>
-            <a:r>
-              <a:rPr lang="en-US" sz="4250" spc="10" dirty="0"/>
-              <a:t>"</a:t>
-            </a:r>
-            <a:r>
-              <a:rPr sz="4250" spc="85" dirty="0"/>
-              <a:t> </a:t>
-            </a:r>
-            <a:r>
-              <a:rPr sz="4250" spc="10" dirty="0"/>
-              <a:t>IN</a:t>
-            </a:r>
-            <a:r>
-              <a:rPr sz="4250" spc="-5" dirty="0"/>
-              <a:t> </a:t>
-            </a:r>
-            <a:r>
-              <a:rPr sz="4250" spc="15" dirty="0"/>
-              <a:t>OUR</a:t>
-            </a:r>
-            <a:r>
-              <a:rPr sz="4250" spc="-10" dirty="0"/>
-              <a:t> </a:t>
-            </a:r>
-            <a:r>
-              <a:rPr sz="4250" spc="20" dirty="0"/>
-              <a:t>SOLUTION</a:t>
-            </a:r>
-            <a:endParaRPr sz="4250" dirty="0"/>
-          </a:p>
-        </p:txBody>
-      </p:sp>
-      <p:sp>
-        <p:nvSpPr>
-          <p:cNvPr id="8" name="object 8"/>
-          <p:cNvSpPr txBox="1"/>
-          <p:nvPr/>
-        </p:nvSpPr>
-        <p:spPr>
-          <a:xfrm>
-            <a:off x="11277218" y="6473337"/>
-            <a:ext cx="228600" cy="191770"/>
-          </a:xfrm>
-          <a:prstGeom prst="rect">
-            <a:avLst/>
-          </a:prstGeom>
-        </p:spPr>
-        <p:txBody>
-          <a:bodyPr vert="horz" wrap="square" lIns="0" tIns="6985" rIns="0" bIns="0" rtlCol="0">
-            <a:spAutoFit/>
-          </a:bodyPr>
-          <a:lstStyle/>
-          <a:p>
-            <a:pPr marL="38100">
-              <a:lnSpc>
-                <a:spcPct val="100000"/>
-              </a:lnSpc>
-              <a:spcBef>
-                <a:spcPts val="55"/>
-              </a:spcBef>
-            </a:pPr>
-            <a:fld id="{81D60167-4931-47E6-BA6A-407CBD079E47}" type="slidenum">
-              <a:rPr sz="1100" spc="10" dirty="0">
-                <a:solidFill>
-                  <a:srgbClr val="2D936B"/>
-                </a:solidFill>
-                <a:latin typeface="Trebuchet MS"/>
-                <a:cs typeface="Trebuchet MS"/>
-              </a:rPr>
-              <a:t>10</a:t>
-            </a:fld>
-            <a:endParaRPr sz="1100">
-              <a:latin typeface="Trebuchet MS"/>
-              <a:cs typeface="Trebuchet MS"/>
-            </a:endParaRPr>
-          </a:p>
-        </p:txBody>
-      </p:sp>
-      <p:sp>
-        <p:nvSpPr>
-          <p:cNvPr id="9" name="TextBox 8">
-            <a:extLst>
-              <a:ext uri="{FF2B5EF4-FFF2-40B4-BE49-F238E27FC236}">
-                <a16:creationId xmlns:a16="http://schemas.microsoft.com/office/drawing/2014/main" id="{FAD9CEB2-36E1-0550-426B-2FAF97882044}"/>
-              </a:ext>
-            </a:extLst>
-          </p:cNvPr>
-          <p:cNvSpPr txBox="1"/>
-          <p:nvPr/>
-        </p:nvSpPr>
-        <p:spPr>
-          <a:xfrm>
-            <a:off x="2743200" y="2354703"/>
-            <a:ext cx="7696200" cy="2800767"/>
-          </a:xfrm>
-          <a:prstGeom prst="rect">
-            <a:avLst/>
-          </a:prstGeom>
-          <a:noFill/>
-        </p:spPr>
-        <p:txBody>
-          <a:bodyPr wrap="square" rtlCol="0">
-            <a:spAutoFit/>
-          </a:bodyPr>
-          <a:lstStyle/>
-          <a:p>
-            <a:pPr algn="l">
-              <a:buFont typeface="Arial" panose="020B0604020202020204" pitchFamily="34" charset="0"/>
-              <a:buChar char="•"/>
-            </a:pPr>
-            <a:endParaRPr lang="en-US" sz="3200" b="0" i="0" dirty="0">
-              <a:solidFill>
-                <a:srgbClr val="0D0D0D"/>
-              </a:solidFill>
-              <a:effectLst/>
-              <a:latin typeface="Times New Roman" panose="02020603050405020304" pitchFamily="18" charset="0"/>
-              <a:cs typeface="Times New Roman" panose="02020603050405020304" pitchFamily="18" charset="0"/>
-            </a:endParaRPr>
-          </a:p>
-          <a:p>
-            <a:r>
-              <a:rPr lang="en-IN" sz="3600" dirty="0">
-                <a:latin typeface="Times New Roman" panose="02020603050405020304" pitchFamily="18" charset="0"/>
-                <a:cs typeface="Times New Roman" panose="02020603050405020304" pitchFamily="18" charset="0"/>
-              </a:rPr>
-              <a:t>I have used both the pivot charts and slicers at the same time in data analysis so it makes it easy to understand for the users who uses it.</a:t>
-            </a:r>
-          </a:p>
-        </p:txBody>
-      </p:sp>
-    </p:spTree>
-  </p:cSld>
-  <p:clrMapOvr>
-    <a:masterClrMapping/>
-  </p:clrMapOvr>
-  <mc:AlternateContent xmlns:mc="http://schemas.openxmlformats.org/markup-compatibility/2006" xmlns:p14="http://schemas.microsoft.com/office/powerpoint/2010/main">
-    <mc:Choice Requires="p14">
-      <p:transition spd="slow" p14:dur="800">
-        <p:diamond/>
-      </p:transition>
-    </mc:Choice>
-    <mc:Fallback xmlns="">
-      <p:transition spd="slow">
-        <p:diamond/>
-      </p:transition>
-    </mc:Fallback>
-  </mc:AlternateContent>
-</p:sld>
-</file>
-
-<file path=ppt/slides/slide11.xml><?xml version="1.0" encoding="utf-8"?>
 <p:sld xmlns:a="http://schemas.openxmlformats.org/drawingml/2006/main" xmlns:r="http://schemas.openxmlformats.org/officeDocument/2006/relationships" xmlns:p="http://schemas.openxmlformats.org/presentationml/2006/main">
   <p:cSld>
     <p:spTree>
@@ -11691,7 +11143,7 @@
                 <a:latin typeface="Trebuchet MS"/>
                 <a:cs typeface="Trebuchet MS"/>
               </a:rPr>
-              <a:t>11</a:t>
+              <a:t>10</a:t>
             </a:fld>
             <a:endParaRPr sz="1100">
               <a:latin typeface="Trebuchet MS"/>
@@ -12000,7 +11452,7 @@
 </p:sld>
 </file>
 
-<file path=ppt/slides/slide12.xml><?xml version="1.0" encoding="utf-8"?>
+<file path=ppt/slides/slide11.xml><?xml version="1.0" encoding="utf-8"?>
 <p:sld xmlns:a="http://schemas.openxmlformats.org/drawingml/2006/main" xmlns:r="http://schemas.openxmlformats.org/officeDocument/2006/relationships" xmlns:p="http://schemas.openxmlformats.org/presentationml/2006/main">
   <p:cSld>
     <p:spTree>
@@ -12286,7 +11738,7 @@
                 <a:latin typeface="Trebuchet MS"/>
                 <a:cs typeface="Trebuchet MS"/>
               </a:rPr>
-              <a:t>12</a:t>
+              <a:t>11</a:t>
             </a:fld>
             <a:endParaRPr sz="1100">
               <a:latin typeface="Trebuchet MS"/>
@@ -12381,7 +11833,7 @@
 </p:sld>
 </file>
 
-<file path=ppt/slides/slide13.xml><?xml version="1.0" encoding="utf-8"?>
+<file path=ppt/slides/slide12.xml><?xml version="1.0" encoding="utf-8"?>
 <p:sld xmlns:a="http://schemas.openxmlformats.org/drawingml/2006/main" xmlns:r="http://schemas.openxmlformats.org/officeDocument/2006/relationships" xmlns:p="http://schemas.openxmlformats.org/presentationml/2006/main">
   <p:cSld>
     <p:spTree>
@@ -12489,7 +11941,7 @@
 </p:sld>
 </file>
 
-<file path=ppt/slides/slide14.xml><?xml version="1.0" encoding="utf-8"?>
+<file path=ppt/slides/slide13.xml><?xml version="1.0" encoding="utf-8"?>
 <p:sld xmlns:a="http://schemas.openxmlformats.org/drawingml/2006/main" xmlns:r="http://schemas.openxmlformats.org/officeDocument/2006/relationships" xmlns:p="http://schemas.openxmlformats.org/presentationml/2006/main">
   <p:cSld>
     <p:spTree>
@@ -12597,7 +12049,7 @@
 </p:sld>
 </file>
 
-<file path=ppt/slides/slide15.xml><?xml version="1.0" encoding="utf-8"?>
+<file path=ppt/slides/slide14.xml><?xml version="1.0" encoding="utf-8"?>
 <p:sld xmlns:a="http://schemas.openxmlformats.org/drawingml/2006/main" xmlns:r="http://schemas.openxmlformats.org/officeDocument/2006/relationships" xmlns:p="http://schemas.openxmlformats.org/presentationml/2006/main">
   <p:cSld>
     <p:spTree>
@@ -13722,1459 +13174,6 @@
           <a:chExt cx="0" cy="0"/>
         </a:xfrm>
       </p:grpSpPr>
-      <p:sp>
-        <p:nvSpPr>
-          <p:cNvPr id="2" name="object 2"/>
-          <p:cNvSpPr/>
-          <p:nvPr/>
-        </p:nvSpPr>
-        <p:spPr>
-          <a:xfrm>
-            <a:off x="-76200" y="28579"/>
-            <a:ext cx="12481713" cy="6858000"/>
-          </a:xfrm>
-          <a:custGeom>
-            <a:avLst/>
-            <a:gdLst/>
-            <a:ahLst/>
-            <a:cxnLst/>
-            <a:rect l="l" t="t" r="r" b="b"/>
-            <a:pathLst>
-              <a:path w="12192000" h="6858000">
-                <a:moveTo>
-                  <a:pt x="12192000" y="0"/>
-                </a:moveTo>
-                <a:lnTo>
-                  <a:pt x="0" y="0"/>
-                </a:lnTo>
-                <a:lnTo>
-                  <a:pt x="0" y="6858000"/>
-                </a:lnTo>
-                <a:lnTo>
-                  <a:pt x="12192000" y="6858000"/>
-                </a:lnTo>
-                <a:lnTo>
-                  <a:pt x="12192000" y="0"/>
-                </a:lnTo>
-                <a:close/>
-              </a:path>
-            </a:pathLst>
-          </a:custGeom>
-          <a:gradFill>
-            <a:gsLst>
-              <a:gs pos="0">
-                <a:schemeClr val="accent4">
-                  <a:lumMod val="5000"/>
-                  <a:lumOff val="95000"/>
-                </a:schemeClr>
-              </a:gs>
-              <a:gs pos="74000">
-                <a:schemeClr val="accent4">
-                  <a:lumMod val="45000"/>
-                  <a:lumOff val="55000"/>
-                </a:schemeClr>
-              </a:gs>
-              <a:gs pos="83000">
-                <a:schemeClr val="accent4">
-                  <a:lumMod val="45000"/>
-                  <a:lumOff val="55000"/>
-                </a:schemeClr>
-              </a:gs>
-              <a:gs pos="100000">
-                <a:schemeClr val="accent4">
-                  <a:lumMod val="30000"/>
-                  <a:lumOff val="70000"/>
-                </a:schemeClr>
-              </a:gs>
-            </a:gsLst>
-            <a:lin ang="5400000" scaled="1"/>
-          </a:gradFill>
-        </p:spPr>
-        <p:txBody>
-          <a:bodyPr wrap="square" lIns="0" tIns="0" rIns="0" bIns="0" rtlCol="0"/>
-          <a:lstStyle/>
-          <a:p>
-            <a:endParaRPr dirty="0"/>
-          </a:p>
-        </p:txBody>
-      </p:sp>
-      <p:grpSp>
-        <p:nvGrpSpPr>
-          <p:cNvPr id="3" name="object 3"/>
-          <p:cNvGrpSpPr/>
-          <p:nvPr/>
-        </p:nvGrpSpPr>
-        <p:grpSpPr>
-          <a:xfrm>
-            <a:off x="7443849" y="0"/>
-            <a:ext cx="4752975" cy="6863080"/>
-            <a:chOff x="7443849" y="0"/>
-            <a:chExt cx="4752975" cy="6863080"/>
-          </a:xfrm>
-        </p:grpSpPr>
-        <p:sp>
-          <p:nvSpPr>
-            <p:cNvPr id="4" name="object 4"/>
-            <p:cNvSpPr/>
-            <p:nvPr/>
-          </p:nvSpPr>
-          <p:spPr>
-            <a:xfrm>
-              <a:off x="9377426" y="4825"/>
-              <a:ext cx="1218565" cy="6853555"/>
-            </a:xfrm>
-            <a:custGeom>
-              <a:avLst/>
-              <a:gdLst/>
-              <a:ahLst/>
-              <a:cxnLst/>
-              <a:rect l="l" t="t" r="r" b="b"/>
-              <a:pathLst>
-                <a:path w="1218565" h="6853555">
-                  <a:moveTo>
-                    <a:pt x="0" y="0"/>
-                  </a:moveTo>
-                  <a:lnTo>
-                    <a:pt x="1218352" y="6853171"/>
-                  </a:lnTo>
-                </a:path>
-              </a:pathLst>
-            </a:custGeom>
-            <a:ln w="9525">
-              <a:solidFill>
-                <a:srgbClr val="5FCAEE"/>
-              </a:solidFill>
-            </a:ln>
-          </p:spPr>
-          <p:txBody>
-            <a:bodyPr wrap="square" lIns="0" tIns="0" rIns="0" bIns="0" rtlCol="0"/>
-            <a:lstStyle/>
-            <a:p>
-              <a:endParaRPr/>
-            </a:p>
-          </p:txBody>
-        </p:sp>
-        <p:sp>
-          <p:nvSpPr>
-            <p:cNvPr id="5" name="object 5"/>
-            <p:cNvSpPr/>
-            <p:nvPr/>
-          </p:nvSpPr>
-          <p:spPr>
-            <a:xfrm>
-              <a:off x="7448612" y="3694896"/>
-              <a:ext cx="4743450" cy="3163570"/>
-            </a:xfrm>
-            <a:custGeom>
-              <a:avLst/>
-              <a:gdLst/>
-              <a:ahLst/>
-              <a:cxnLst/>
-              <a:rect l="l" t="t" r="r" b="b"/>
-              <a:pathLst>
-                <a:path w="4743450" h="3163570">
-                  <a:moveTo>
-                    <a:pt x="4743387" y="0"/>
-                  </a:moveTo>
-                  <a:lnTo>
-                    <a:pt x="0" y="3163101"/>
-                  </a:lnTo>
-                </a:path>
-              </a:pathLst>
-            </a:custGeom>
-            <a:ln w="9525">
-              <a:solidFill>
-                <a:srgbClr val="5FCAEE"/>
-              </a:solidFill>
-            </a:ln>
-          </p:spPr>
-          <p:txBody>
-            <a:bodyPr wrap="square" lIns="0" tIns="0" rIns="0" bIns="0" rtlCol="0"/>
-            <a:lstStyle/>
-            <a:p>
-              <a:endParaRPr/>
-            </a:p>
-          </p:txBody>
-        </p:sp>
-        <p:sp>
-          <p:nvSpPr>
-            <p:cNvPr id="6" name="object 6"/>
-            <p:cNvSpPr/>
-            <p:nvPr/>
-          </p:nvSpPr>
-          <p:spPr>
-            <a:xfrm>
-              <a:off x="9182100" y="0"/>
-              <a:ext cx="3009900" cy="6858000"/>
-            </a:xfrm>
-            <a:custGeom>
-              <a:avLst/>
-              <a:gdLst/>
-              <a:ahLst/>
-              <a:cxnLst/>
-              <a:rect l="l" t="t" r="r" b="b"/>
-              <a:pathLst>
-                <a:path w="3009900" h="6858000">
-                  <a:moveTo>
-                    <a:pt x="3009899" y="0"/>
-                  </a:moveTo>
-                  <a:lnTo>
-                    <a:pt x="2044399" y="0"/>
-                  </a:lnTo>
-                  <a:lnTo>
-                    <a:pt x="0" y="6857996"/>
-                  </a:lnTo>
-                  <a:lnTo>
-                    <a:pt x="3009899" y="6857996"/>
-                  </a:lnTo>
-                  <a:lnTo>
-                    <a:pt x="3009899" y="0"/>
-                  </a:lnTo>
-                  <a:close/>
-                </a:path>
-              </a:pathLst>
-            </a:custGeom>
-            <a:solidFill>
-              <a:srgbClr val="5FCAEE">
-                <a:alpha val="36077"/>
-              </a:srgbClr>
-            </a:solidFill>
-          </p:spPr>
-          <p:txBody>
-            <a:bodyPr wrap="square" lIns="0" tIns="0" rIns="0" bIns="0" rtlCol="0"/>
-            <a:lstStyle/>
-            <a:p>
-              <a:endParaRPr/>
-            </a:p>
-          </p:txBody>
-        </p:sp>
-        <p:sp>
-          <p:nvSpPr>
-            <p:cNvPr id="7" name="object 7"/>
-            <p:cNvSpPr/>
-            <p:nvPr/>
-          </p:nvSpPr>
-          <p:spPr>
-            <a:xfrm>
-              <a:off x="9602878" y="0"/>
-              <a:ext cx="2589530" cy="6858000"/>
-            </a:xfrm>
-            <a:custGeom>
-              <a:avLst/>
-              <a:gdLst/>
-              <a:ahLst/>
-              <a:cxnLst/>
-              <a:rect l="l" t="t" r="r" b="b"/>
-              <a:pathLst>
-                <a:path w="2589529" h="6858000">
-                  <a:moveTo>
-                    <a:pt x="2589120" y="0"/>
-                  </a:moveTo>
-                  <a:lnTo>
-                    <a:pt x="0" y="0"/>
-                  </a:lnTo>
-                  <a:lnTo>
-                    <a:pt x="1208884" y="6857996"/>
-                  </a:lnTo>
-                  <a:lnTo>
-                    <a:pt x="2589120" y="6857996"/>
-                  </a:lnTo>
-                  <a:lnTo>
-                    <a:pt x="2589120" y="0"/>
-                  </a:lnTo>
-                  <a:close/>
-                </a:path>
-              </a:pathLst>
-            </a:custGeom>
-            <a:solidFill>
-              <a:srgbClr val="5FCAEE">
-                <a:alpha val="19999"/>
-              </a:srgbClr>
-            </a:solidFill>
-          </p:spPr>
-          <p:txBody>
-            <a:bodyPr wrap="square" lIns="0" tIns="0" rIns="0" bIns="0" rtlCol="0"/>
-            <a:lstStyle/>
-            <a:p>
-              <a:endParaRPr/>
-            </a:p>
-          </p:txBody>
-        </p:sp>
-        <p:sp>
-          <p:nvSpPr>
-            <p:cNvPr id="8" name="object 8"/>
-            <p:cNvSpPr/>
-            <p:nvPr/>
-          </p:nvSpPr>
-          <p:spPr>
-            <a:xfrm>
-              <a:off x="8934450" y="3048000"/>
-              <a:ext cx="3257550" cy="3810000"/>
-            </a:xfrm>
-            <a:custGeom>
-              <a:avLst/>
-              <a:gdLst/>
-              <a:ahLst/>
-              <a:cxnLst/>
-              <a:rect l="l" t="t" r="r" b="b"/>
-              <a:pathLst>
-                <a:path w="3257550" h="3810000">
-                  <a:moveTo>
-                    <a:pt x="3257550" y="0"/>
-                  </a:moveTo>
-                  <a:lnTo>
-                    <a:pt x="0" y="3810000"/>
-                  </a:lnTo>
-                  <a:lnTo>
-                    <a:pt x="3257550" y="3810000"/>
-                  </a:lnTo>
-                  <a:lnTo>
-                    <a:pt x="3257550" y="0"/>
-                  </a:lnTo>
-                  <a:close/>
-                </a:path>
-              </a:pathLst>
-            </a:custGeom>
-            <a:solidFill>
-              <a:srgbClr val="17AFE3">
-                <a:alpha val="65881"/>
-              </a:srgbClr>
-            </a:solidFill>
-          </p:spPr>
-          <p:txBody>
-            <a:bodyPr wrap="square" lIns="0" tIns="0" rIns="0" bIns="0" rtlCol="0"/>
-            <a:lstStyle/>
-            <a:p>
-              <a:endParaRPr/>
-            </a:p>
-          </p:txBody>
-        </p:sp>
-        <p:sp>
-          <p:nvSpPr>
-            <p:cNvPr id="9" name="object 9"/>
-            <p:cNvSpPr/>
-            <p:nvPr/>
-          </p:nvSpPr>
-          <p:spPr>
-            <a:xfrm>
-              <a:off x="9337930" y="0"/>
-              <a:ext cx="2854325" cy="6858000"/>
-            </a:xfrm>
-            <a:custGeom>
-              <a:avLst/>
-              <a:gdLst/>
-              <a:ahLst/>
-              <a:cxnLst/>
-              <a:rect l="l" t="t" r="r" b="b"/>
-              <a:pathLst>
-                <a:path w="2854325" h="6858000">
-                  <a:moveTo>
-                    <a:pt x="2854069" y="0"/>
-                  </a:moveTo>
-                  <a:lnTo>
-                    <a:pt x="0" y="0"/>
-                  </a:lnTo>
-                  <a:lnTo>
-                    <a:pt x="2470020" y="6857996"/>
-                  </a:lnTo>
-                  <a:lnTo>
-                    <a:pt x="2854069" y="6857996"/>
-                  </a:lnTo>
-                  <a:lnTo>
-                    <a:pt x="2854069" y="0"/>
-                  </a:lnTo>
-                  <a:close/>
-                </a:path>
-              </a:pathLst>
-            </a:custGeom>
-            <a:solidFill>
-              <a:srgbClr val="17AFE3">
-                <a:alpha val="50195"/>
-              </a:srgbClr>
-            </a:solidFill>
-          </p:spPr>
-          <p:txBody>
-            <a:bodyPr wrap="square" lIns="0" tIns="0" rIns="0" bIns="0" rtlCol="0"/>
-            <a:lstStyle/>
-            <a:p>
-              <a:endParaRPr/>
-            </a:p>
-          </p:txBody>
-        </p:sp>
-        <p:sp>
-          <p:nvSpPr>
-            <p:cNvPr id="10" name="object 10"/>
-            <p:cNvSpPr/>
-            <p:nvPr/>
-          </p:nvSpPr>
-          <p:spPr>
-            <a:xfrm>
-              <a:off x="10896600" y="0"/>
-              <a:ext cx="1295400" cy="6858000"/>
-            </a:xfrm>
-            <a:custGeom>
-              <a:avLst/>
-              <a:gdLst/>
-              <a:ahLst/>
-              <a:cxnLst/>
-              <a:rect l="l" t="t" r="r" b="b"/>
-              <a:pathLst>
-                <a:path w="1295400" h="6858000">
-                  <a:moveTo>
-                    <a:pt x="1295399" y="0"/>
-                  </a:moveTo>
-                  <a:lnTo>
-                    <a:pt x="1022453" y="0"/>
-                  </a:lnTo>
-                  <a:lnTo>
-                    <a:pt x="0" y="6857996"/>
-                  </a:lnTo>
-                  <a:lnTo>
-                    <a:pt x="1295399" y="6857996"/>
-                  </a:lnTo>
-                  <a:lnTo>
-                    <a:pt x="1295399" y="0"/>
-                  </a:lnTo>
-                  <a:close/>
-                </a:path>
-              </a:pathLst>
-            </a:custGeom>
-            <a:solidFill>
-              <a:srgbClr val="2D83C3">
-                <a:alpha val="70195"/>
-              </a:srgbClr>
-            </a:solidFill>
-          </p:spPr>
-          <p:txBody>
-            <a:bodyPr wrap="square" lIns="0" tIns="0" rIns="0" bIns="0" rtlCol="0"/>
-            <a:lstStyle/>
-            <a:p>
-              <a:endParaRPr/>
-            </a:p>
-          </p:txBody>
-        </p:sp>
-        <p:sp>
-          <p:nvSpPr>
-            <p:cNvPr id="11" name="object 11"/>
-            <p:cNvSpPr/>
-            <p:nvPr/>
-          </p:nvSpPr>
-          <p:spPr>
-            <a:xfrm>
-              <a:off x="10936247" y="0"/>
-              <a:ext cx="1256030" cy="6858000"/>
-            </a:xfrm>
-            <a:custGeom>
-              <a:avLst/>
-              <a:gdLst/>
-              <a:ahLst/>
-              <a:cxnLst/>
-              <a:rect l="l" t="t" r="r" b="b"/>
-              <a:pathLst>
-                <a:path w="1256029" h="6858000">
-                  <a:moveTo>
-                    <a:pt x="1255752" y="0"/>
-                  </a:moveTo>
-                  <a:lnTo>
-                    <a:pt x="0" y="0"/>
-                  </a:lnTo>
-                  <a:lnTo>
-                    <a:pt x="1114527" y="6857996"/>
-                  </a:lnTo>
-                  <a:lnTo>
-                    <a:pt x="1255752" y="6857996"/>
-                  </a:lnTo>
-                  <a:lnTo>
-                    <a:pt x="1255752" y="0"/>
-                  </a:lnTo>
-                  <a:close/>
-                </a:path>
-              </a:pathLst>
-            </a:custGeom>
-            <a:solidFill>
-              <a:srgbClr val="226192">
-                <a:alpha val="79998"/>
-              </a:srgbClr>
-            </a:solidFill>
-          </p:spPr>
-          <p:txBody>
-            <a:bodyPr wrap="square" lIns="0" tIns="0" rIns="0" bIns="0" rtlCol="0"/>
-            <a:lstStyle/>
-            <a:p>
-              <a:endParaRPr/>
-            </a:p>
-          </p:txBody>
-        </p:sp>
-        <p:sp>
-          <p:nvSpPr>
-            <p:cNvPr id="12" name="object 12"/>
-            <p:cNvSpPr/>
-            <p:nvPr/>
-          </p:nvSpPr>
-          <p:spPr>
-            <a:xfrm>
-              <a:off x="10372725" y="3590925"/>
-              <a:ext cx="1819275" cy="3267075"/>
-            </a:xfrm>
-            <a:custGeom>
-              <a:avLst/>
-              <a:gdLst/>
-              <a:ahLst/>
-              <a:cxnLst/>
-              <a:rect l="l" t="t" r="r" b="b"/>
-              <a:pathLst>
-                <a:path w="1819275" h="3267075">
-                  <a:moveTo>
-                    <a:pt x="1819275" y="0"/>
-                  </a:moveTo>
-                  <a:lnTo>
-                    <a:pt x="0" y="3267075"/>
-                  </a:lnTo>
-                  <a:lnTo>
-                    <a:pt x="1819275" y="3267075"/>
-                  </a:lnTo>
-                  <a:lnTo>
-                    <a:pt x="1819275" y="0"/>
-                  </a:lnTo>
-                  <a:close/>
-                </a:path>
-              </a:pathLst>
-            </a:custGeom>
-            <a:solidFill>
-              <a:srgbClr val="17AFE3">
-                <a:alpha val="65881"/>
-              </a:srgbClr>
-            </a:solidFill>
-          </p:spPr>
-          <p:txBody>
-            <a:bodyPr wrap="square" lIns="0" tIns="0" rIns="0" bIns="0" rtlCol="0"/>
-            <a:lstStyle/>
-            <a:p>
-              <a:endParaRPr/>
-            </a:p>
-          </p:txBody>
-        </p:sp>
-      </p:grpSp>
-      <p:sp>
-        <p:nvSpPr>
-          <p:cNvPr id="13" name="object 13"/>
-          <p:cNvSpPr/>
-          <p:nvPr/>
-        </p:nvSpPr>
-        <p:spPr>
-          <a:xfrm>
-            <a:off x="0" y="4010025"/>
-            <a:ext cx="447675" cy="2847975"/>
-          </a:xfrm>
-          <a:custGeom>
-            <a:avLst/>
-            <a:gdLst/>
-            <a:ahLst/>
-            <a:cxnLst/>
-            <a:rect l="l" t="t" r="r" b="b"/>
-            <a:pathLst>
-              <a:path w="447675" h="2847975">
-                <a:moveTo>
-                  <a:pt x="0" y="0"/>
-                </a:moveTo>
-                <a:lnTo>
-                  <a:pt x="0" y="2847975"/>
-                </a:lnTo>
-                <a:lnTo>
-                  <a:pt x="447675" y="2847975"/>
-                </a:lnTo>
-                <a:lnTo>
-                  <a:pt x="0" y="0"/>
-                </a:lnTo>
-                <a:close/>
-              </a:path>
-            </a:pathLst>
-          </a:custGeom>
-          <a:solidFill>
-            <a:srgbClr val="5FCAEE">
-              <a:alpha val="70195"/>
-            </a:srgbClr>
-          </a:solidFill>
-        </p:spPr>
-        <p:txBody>
-          <a:bodyPr wrap="square" lIns="0" tIns="0" rIns="0" bIns="0" rtlCol="0"/>
-          <a:lstStyle/>
-          <a:p>
-            <a:endParaRPr/>
-          </a:p>
-        </p:txBody>
-      </p:sp>
-      <p:sp>
-        <p:nvSpPr>
-          <p:cNvPr id="14" name="object 14"/>
-          <p:cNvSpPr txBox="1"/>
-          <p:nvPr/>
-        </p:nvSpPr>
-        <p:spPr>
-          <a:xfrm>
-            <a:off x="752475" y="6486037"/>
-            <a:ext cx="1773555" cy="166370"/>
-          </a:xfrm>
-          <a:prstGeom prst="rect">
-            <a:avLst/>
-          </a:prstGeom>
-        </p:spPr>
-        <p:txBody>
-          <a:bodyPr vert="horz" wrap="square" lIns="0" tIns="0" rIns="0" bIns="0" rtlCol="0">
-            <a:spAutoFit/>
-          </a:bodyPr>
-          <a:lstStyle/>
-          <a:p>
-            <a:pPr>
-              <a:lnSpc>
-                <a:spcPts val="1275"/>
-              </a:lnSpc>
-            </a:pPr>
-            <a:r>
-              <a:rPr sz="1100" spc="20" dirty="0">
-                <a:solidFill>
-                  <a:srgbClr val="2D83C3"/>
-                </a:solidFill>
-                <a:latin typeface="Trebuchet MS"/>
-                <a:cs typeface="Trebuchet MS"/>
-              </a:rPr>
-              <a:t>3/21/202</a:t>
-            </a:r>
-            <a:r>
-              <a:rPr sz="1100" spc="10" dirty="0">
-                <a:solidFill>
-                  <a:srgbClr val="2D83C3"/>
-                </a:solidFill>
-                <a:latin typeface="Trebuchet MS"/>
-                <a:cs typeface="Trebuchet MS"/>
-              </a:rPr>
-              <a:t>4</a:t>
-            </a:r>
-            <a:r>
-              <a:rPr sz="1100" dirty="0">
-                <a:solidFill>
-                  <a:srgbClr val="2D83C3"/>
-                </a:solidFill>
-                <a:latin typeface="Trebuchet MS"/>
-                <a:cs typeface="Trebuchet MS"/>
-              </a:rPr>
-              <a:t> </a:t>
-            </a:r>
-            <a:r>
-              <a:rPr sz="1100" spc="130" dirty="0">
-                <a:solidFill>
-                  <a:srgbClr val="2D83C3"/>
-                </a:solidFill>
-                <a:latin typeface="Trebuchet MS"/>
-                <a:cs typeface="Trebuchet MS"/>
-              </a:rPr>
-              <a:t> </a:t>
-            </a:r>
-            <a:r>
-              <a:rPr sz="1100" b="1" spc="50" dirty="0">
-                <a:solidFill>
-                  <a:srgbClr val="2D83C3"/>
-                </a:solidFill>
-                <a:latin typeface="Trebuchet MS"/>
-                <a:cs typeface="Trebuchet MS"/>
-              </a:rPr>
-              <a:t>A</a:t>
-            </a:r>
-            <a:r>
-              <a:rPr sz="1100" b="1" spc="15" dirty="0">
-                <a:solidFill>
-                  <a:srgbClr val="2D83C3"/>
-                </a:solidFill>
-                <a:latin typeface="Trebuchet MS"/>
-                <a:cs typeface="Trebuchet MS"/>
-              </a:rPr>
-              <a:t>nnu</a:t>
-            </a:r>
-            <a:r>
-              <a:rPr sz="1100" b="1" spc="10" dirty="0">
-                <a:solidFill>
-                  <a:srgbClr val="2D83C3"/>
-                </a:solidFill>
-                <a:latin typeface="Trebuchet MS"/>
-                <a:cs typeface="Trebuchet MS"/>
-              </a:rPr>
-              <a:t>al</a:t>
-            </a:r>
-            <a:r>
-              <a:rPr sz="1100" b="1" spc="-140" dirty="0">
-                <a:solidFill>
-                  <a:srgbClr val="2D83C3"/>
-                </a:solidFill>
-                <a:latin typeface="Trebuchet MS"/>
-                <a:cs typeface="Trebuchet MS"/>
-              </a:rPr>
-              <a:t> </a:t>
-            </a:r>
-            <a:r>
-              <a:rPr sz="1100" b="1" dirty="0">
-                <a:solidFill>
-                  <a:srgbClr val="2D83C3"/>
-                </a:solidFill>
-                <a:latin typeface="Trebuchet MS"/>
-                <a:cs typeface="Trebuchet MS"/>
-              </a:rPr>
-              <a:t>R</a:t>
-            </a:r>
-            <a:r>
-              <a:rPr sz="1100" b="1" spc="35" dirty="0">
-                <a:solidFill>
-                  <a:srgbClr val="2D83C3"/>
-                </a:solidFill>
-                <a:latin typeface="Trebuchet MS"/>
-                <a:cs typeface="Trebuchet MS"/>
-              </a:rPr>
-              <a:t>e</a:t>
-            </a:r>
-            <a:r>
-              <a:rPr sz="1100" b="1" spc="90" dirty="0">
-                <a:solidFill>
-                  <a:srgbClr val="2D83C3"/>
-                </a:solidFill>
-                <a:latin typeface="Trebuchet MS"/>
-                <a:cs typeface="Trebuchet MS"/>
-              </a:rPr>
-              <a:t>v</a:t>
-            </a:r>
-            <a:r>
-              <a:rPr sz="1100" b="1" spc="-35" dirty="0">
-                <a:solidFill>
-                  <a:srgbClr val="2D83C3"/>
-                </a:solidFill>
-                <a:latin typeface="Trebuchet MS"/>
-                <a:cs typeface="Trebuchet MS"/>
-              </a:rPr>
-              <a:t>i</a:t>
-            </a:r>
-            <a:r>
-              <a:rPr sz="1100" b="1" spc="35" dirty="0">
-                <a:solidFill>
-                  <a:srgbClr val="2D83C3"/>
-                </a:solidFill>
-                <a:latin typeface="Trebuchet MS"/>
-                <a:cs typeface="Trebuchet MS"/>
-              </a:rPr>
-              <a:t>e</a:t>
-            </a:r>
-            <a:r>
-              <a:rPr sz="1100" b="1" spc="15" dirty="0">
-                <a:solidFill>
-                  <a:srgbClr val="2D83C3"/>
-                </a:solidFill>
-                <a:latin typeface="Trebuchet MS"/>
-                <a:cs typeface="Trebuchet MS"/>
-              </a:rPr>
-              <a:t>w</a:t>
-            </a:r>
-            <a:endParaRPr sz="1100">
-              <a:latin typeface="Trebuchet MS"/>
-              <a:cs typeface="Trebuchet MS"/>
-            </a:endParaRPr>
-          </a:p>
-        </p:txBody>
-      </p:sp>
-      <p:sp>
-        <p:nvSpPr>
-          <p:cNvPr id="15" name="object 15"/>
-          <p:cNvSpPr/>
-          <p:nvPr/>
-        </p:nvSpPr>
-        <p:spPr>
-          <a:xfrm>
-            <a:off x="7362825" y="447675"/>
-            <a:ext cx="361950" cy="361950"/>
-          </a:xfrm>
-          <a:custGeom>
-            <a:avLst/>
-            <a:gdLst/>
-            <a:ahLst/>
-            <a:cxnLst/>
-            <a:rect l="l" t="t" r="r" b="b"/>
-            <a:pathLst>
-              <a:path w="361950" h="361950">
-                <a:moveTo>
-                  <a:pt x="180975" y="0"/>
-                </a:moveTo>
-                <a:lnTo>
-                  <a:pt x="132864" y="6464"/>
-                </a:lnTo>
-                <a:lnTo>
-                  <a:pt x="89633" y="24708"/>
-                </a:lnTo>
-                <a:lnTo>
-                  <a:pt x="53006" y="53006"/>
-                </a:lnTo>
-                <a:lnTo>
-                  <a:pt x="24708" y="89633"/>
-                </a:lnTo>
-                <a:lnTo>
-                  <a:pt x="6464" y="132864"/>
-                </a:lnTo>
-                <a:lnTo>
-                  <a:pt x="0" y="180975"/>
-                </a:lnTo>
-                <a:lnTo>
-                  <a:pt x="6464" y="229085"/>
-                </a:lnTo>
-                <a:lnTo>
-                  <a:pt x="24708" y="272316"/>
-                </a:lnTo>
-                <a:lnTo>
-                  <a:pt x="53006" y="308943"/>
-                </a:lnTo>
-                <a:lnTo>
-                  <a:pt x="89633" y="337241"/>
-                </a:lnTo>
-                <a:lnTo>
-                  <a:pt x="132864" y="355485"/>
-                </a:lnTo>
-                <a:lnTo>
-                  <a:pt x="180975" y="361950"/>
-                </a:lnTo>
-                <a:lnTo>
-                  <a:pt x="229085" y="355485"/>
-                </a:lnTo>
-                <a:lnTo>
-                  <a:pt x="272316" y="337241"/>
-                </a:lnTo>
-                <a:lnTo>
-                  <a:pt x="308943" y="308943"/>
-                </a:lnTo>
-                <a:lnTo>
-                  <a:pt x="337241" y="272316"/>
-                </a:lnTo>
-                <a:lnTo>
-                  <a:pt x="355485" y="229085"/>
-                </a:lnTo>
-                <a:lnTo>
-                  <a:pt x="361950" y="180975"/>
-                </a:lnTo>
-                <a:lnTo>
-                  <a:pt x="355485" y="132864"/>
-                </a:lnTo>
-                <a:lnTo>
-                  <a:pt x="337241" y="89633"/>
-                </a:lnTo>
-                <a:lnTo>
-                  <a:pt x="308943" y="53006"/>
-                </a:lnTo>
-                <a:lnTo>
-                  <a:pt x="272316" y="24708"/>
-                </a:lnTo>
-                <a:lnTo>
-                  <a:pt x="229085" y="6464"/>
-                </a:lnTo>
-                <a:lnTo>
-                  <a:pt x="180975" y="0"/>
-                </a:lnTo>
-                <a:close/>
-              </a:path>
-            </a:pathLst>
-          </a:custGeom>
-          <a:solidFill>
-            <a:srgbClr val="EBEBEB"/>
-          </a:solidFill>
-        </p:spPr>
-        <p:txBody>
-          <a:bodyPr wrap="square" lIns="0" tIns="0" rIns="0" bIns="0" rtlCol="0"/>
-          <a:lstStyle/>
-          <a:p>
-            <a:endParaRPr/>
-          </a:p>
-        </p:txBody>
-      </p:sp>
-      <p:sp>
-        <p:nvSpPr>
-          <p:cNvPr id="16" name="object 16"/>
-          <p:cNvSpPr/>
-          <p:nvPr/>
-        </p:nvSpPr>
-        <p:spPr>
-          <a:xfrm>
-            <a:off x="11010900" y="5610225"/>
-            <a:ext cx="647700" cy="647700"/>
-          </a:xfrm>
-          <a:custGeom>
-            <a:avLst/>
-            <a:gdLst/>
-            <a:ahLst/>
-            <a:cxnLst/>
-            <a:rect l="l" t="t" r="r" b="b"/>
-            <a:pathLst>
-              <a:path w="647700" h="647700">
-                <a:moveTo>
-                  <a:pt x="323850" y="0"/>
-                </a:moveTo>
-                <a:lnTo>
-                  <a:pt x="276003" y="3511"/>
-                </a:lnTo>
-                <a:lnTo>
-                  <a:pt x="230332" y="13711"/>
-                </a:lnTo>
-                <a:lnTo>
-                  <a:pt x="187340" y="30099"/>
-                </a:lnTo>
-                <a:lnTo>
-                  <a:pt x="147528" y="52175"/>
-                </a:lnTo>
-                <a:lnTo>
-                  <a:pt x="111397" y="79436"/>
-                </a:lnTo>
-                <a:lnTo>
-                  <a:pt x="79448" y="111381"/>
-                </a:lnTo>
-                <a:lnTo>
-                  <a:pt x="52184" y="147511"/>
-                </a:lnTo>
-                <a:lnTo>
-                  <a:pt x="30106" y="187324"/>
-                </a:lnTo>
-                <a:lnTo>
-                  <a:pt x="13714" y="230319"/>
-                </a:lnTo>
-                <a:lnTo>
-                  <a:pt x="3512" y="275994"/>
-                </a:lnTo>
-                <a:lnTo>
-                  <a:pt x="0" y="323850"/>
-                </a:lnTo>
-                <a:lnTo>
-                  <a:pt x="3512" y="371705"/>
-                </a:lnTo>
-                <a:lnTo>
-                  <a:pt x="13714" y="417380"/>
-                </a:lnTo>
-                <a:lnTo>
-                  <a:pt x="30106" y="460375"/>
-                </a:lnTo>
-                <a:lnTo>
-                  <a:pt x="52184" y="500188"/>
-                </a:lnTo>
-                <a:lnTo>
-                  <a:pt x="79448" y="536318"/>
-                </a:lnTo>
-                <a:lnTo>
-                  <a:pt x="111397" y="568263"/>
-                </a:lnTo>
-                <a:lnTo>
-                  <a:pt x="147528" y="595524"/>
-                </a:lnTo>
-                <a:lnTo>
-                  <a:pt x="187340" y="617600"/>
-                </a:lnTo>
-                <a:lnTo>
-                  <a:pt x="230332" y="633988"/>
-                </a:lnTo>
-                <a:lnTo>
-                  <a:pt x="276003" y="644188"/>
-                </a:lnTo>
-                <a:lnTo>
-                  <a:pt x="323850" y="647700"/>
-                </a:lnTo>
-                <a:lnTo>
-                  <a:pt x="371696" y="644188"/>
-                </a:lnTo>
-                <a:lnTo>
-                  <a:pt x="417367" y="633988"/>
-                </a:lnTo>
-                <a:lnTo>
-                  <a:pt x="460359" y="617600"/>
-                </a:lnTo>
-                <a:lnTo>
-                  <a:pt x="500171" y="595524"/>
-                </a:lnTo>
-                <a:lnTo>
-                  <a:pt x="536302" y="568263"/>
-                </a:lnTo>
-                <a:lnTo>
-                  <a:pt x="568251" y="536318"/>
-                </a:lnTo>
-                <a:lnTo>
-                  <a:pt x="595515" y="500188"/>
-                </a:lnTo>
-                <a:lnTo>
-                  <a:pt x="617593" y="460375"/>
-                </a:lnTo>
-                <a:lnTo>
-                  <a:pt x="633985" y="417380"/>
-                </a:lnTo>
-                <a:lnTo>
-                  <a:pt x="644187" y="371705"/>
-                </a:lnTo>
-                <a:lnTo>
-                  <a:pt x="647700" y="323850"/>
-                </a:lnTo>
-                <a:lnTo>
-                  <a:pt x="644187" y="275994"/>
-                </a:lnTo>
-                <a:lnTo>
-                  <a:pt x="633985" y="230319"/>
-                </a:lnTo>
-                <a:lnTo>
-                  <a:pt x="617593" y="187324"/>
-                </a:lnTo>
-                <a:lnTo>
-                  <a:pt x="595515" y="147511"/>
-                </a:lnTo>
-                <a:lnTo>
-                  <a:pt x="568251" y="111381"/>
-                </a:lnTo>
-                <a:lnTo>
-                  <a:pt x="536302" y="79436"/>
-                </a:lnTo>
-                <a:lnTo>
-                  <a:pt x="500171" y="52175"/>
-                </a:lnTo>
-                <a:lnTo>
-                  <a:pt x="460359" y="30099"/>
-                </a:lnTo>
-                <a:lnTo>
-                  <a:pt x="417367" y="13711"/>
-                </a:lnTo>
-                <a:lnTo>
-                  <a:pt x="371696" y="3511"/>
-                </a:lnTo>
-                <a:lnTo>
-                  <a:pt x="323850" y="0"/>
-                </a:lnTo>
-                <a:close/>
-              </a:path>
-            </a:pathLst>
-          </a:custGeom>
-          <a:solidFill>
-            <a:srgbClr val="2D83C3"/>
-          </a:solidFill>
-        </p:spPr>
-        <p:txBody>
-          <a:bodyPr wrap="square" lIns="0" tIns="0" rIns="0" bIns="0" rtlCol="0"/>
-          <a:lstStyle/>
-          <a:p>
-            <a:endParaRPr/>
-          </a:p>
-        </p:txBody>
-      </p:sp>
-      <p:pic>
-        <p:nvPicPr>
-          <p:cNvPr id="17" name="object 17"/>
-          <p:cNvPicPr/>
-          <p:nvPr/>
-        </p:nvPicPr>
-        <p:blipFill>
-          <a:blip r:embed="rId2" cstate="print"/>
-          <a:stretch>
-            <a:fillRect/>
-          </a:stretch>
-        </p:blipFill>
-        <p:spPr>
-          <a:xfrm>
-            <a:off x="10687050" y="6134100"/>
-            <a:ext cx="247650" cy="247650"/>
-          </a:xfrm>
-          <a:prstGeom prst="rect">
-            <a:avLst/>
-          </a:prstGeom>
-        </p:spPr>
-      </p:pic>
-      <p:grpSp>
-        <p:nvGrpSpPr>
-          <p:cNvPr id="18" name="object 18"/>
-          <p:cNvGrpSpPr/>
-          <p:nvPr/>
-        </p:nvGrpSpPr>
-        <p:grpSpPr>
-          <a:xfrm>
-            <a:off x="47625" y="3819523"/>
-            <a:ext cx="4124325" cy="3009900"/>
-            <a:chOff x="47625" y="3819523"/>
-            <a:chExt cx="4124325" cy="3009900"/>
-          </a:xfrm>
-        </p:grpSpPr>
-        <p:pic>
-          <p:nvPicPr>
-            <p:cNvPr id="19" name="object 19"/>
-            <p:cNvPicPr/>
-            <p:nvPr/>
-          </p:nvPicPr>
-          <p:blipFill>
-            <a:blip r:embed="rId3" cstate="print"/>
-            <a:stretch>
-              <a:fillRect/>
-            </a:stretch>
-          </p:blipFill>
-          <p:spPr>
-            <a:xfrm>
-              <a:off x="466725" y="6410325"/>
-              <a:ext cx="3705225" cy="295275"/>
-            </a:xfrm>
-            <a:prstGeom prst="rect">
-              <a:avLst/>
-            </a:prstGeom>
-          </p:spPr>
-        </p:pic>
-        <p:pic>
-          <p:nvPicPr>
-            <p:cNvPr id="20" name="object 20"/>
-            <p:cNvPicPr/>
-            <p:nvPr/>
-          </p:nvPicPr>
-          <p:blipFill>
-            <a:blip r:embed="rId4" cstate="print"/>
-            <a:stretch>
-              <a:fillRect/>
-            </a:stretch>
-          </p:blipFill>
-          <p:spPr>
-            <a:xfrm>
-              <a:off x="47625" y="3819523"/>
-              <a:ext cx="1733550" cy="3009898"/>
-            </a:xfrm>
-            <a:prstGeom prst="rect">
-              <a:avLst/>
-            </a:prstGeom>
-          </p:spPr>
-        </p:pic>
-      </p:grpSp>
-      <p:sp>
-        <p:nvSpPr>
-          <p:cNvPr id="21" name="object 21"/>
-          <p:cNvSpPr txBox="1">
-            <a:spLocks noGrp="1"/>
-          </p:cNvSpPr>
-          <p:nvPr>
-            <p:ph type="title"/>
-          </p:nvPr>
-        </p:nvSpPr>
-        <p:spPr>
-          <a:xfrm>
-            <a:off x="739775" y="445388"/>
-            <a:ext cx="2357120" cy="758190"/>
-          </a:xfrm>
-          <a:prstGeom prst="rect">
-            <a:avLst/>
-          </a:prstGeom>
-        </p:spPr>
-        <p:txBody>
-          <a:bodyPr vert="horz" wrap="square" lIns="0" tIns="13335" rIns="0" bIns="0" rtlCol="0">
-            <a:spAutoFit/>
-          </a:bodyPr>
-          <a:lstStyle/>
-          <a:p>
-            <a:pPr marL="12700">
-              <a:lnSpc>
-                <a:spcPct val="100000"/>
-              </a:lnSpc>
-              <a:spcBef>
-                <a:spcPts val="105"/>
-              </a:spcBef>
-            </a:pPr>
-            <a:r>
-              <a:rPr spc="25" dirty="0"/>
-              <a:t>A</a:t>
-            </a:r>
-            <a:r>
-              <a:rPr spc="-5" dirty="0"/>
-              <a:t>G</a:t>
-            </a:r>
-            <a:r>
-              <a:rPr spc="-35" dirty="0"/>
-              <a:t>E</a:t>
-            </a:r>
-            <a:r>
-              <a:rPr spc="15" dirty="0"/>
-              <a:t>N</a:t>
-            </a:r>
-            <a:r>
-              <a:rPr dirty="0"/>
-              <a:t>DA</a:t>
-            </a:r>
-          </a:p>
-        </p:txBody>
-      </p:sp>
-      <p:sp>
-        <p:nvSpPr>
-          <p:cNvPr id="22" name="object 22"/>
-          <p:cNvSpPr txBox="1">
-            <a:spLocks noGrp="1"/>
-          </p:cNvSpPr>
-          <p:nvPr>
-            <p:ph type="sldNum" sz="quarter" idx="12"/>
-          </p:nvPr>
-        </p:nvSpPr>
-        <p:spPr>
-          <a:prstGeom prst="rect">
-            <a:avLst/>
-          </a:prstGeom>
-        </p:spPr>
-        <p:txBody>
-          <a:bodyPr vert="horz" wrap="square" lIns="0" tIns="6985" rIns="0" bIns="0" rtlCol="0">
-            <a:spAutoFit/>
-          </a:bodyPr>
-          <a:lstStyle/>
-          <a:p>
-            <a:pPr marL="38100">
-              <a:lnSpc>
-                <a:spcPct val="100000"/>
-              </a:lnSpc>
-              <a:spcBef>
-                <a:spcPts val="55"/>
-              </a:spcBef>
-            </a:pPr>
-            <a:fld id="{81D60167-4931-47E6-BA6A-407CBD079E47}" type="slidenum">
-              <a:rPr spc="10" dirty="0"/>
-              <a:t>3</a:t>
-            </a:fld>
-            <a:endParaRPr spc="10" dirty="0"/>
-          </a:p>
-        </p:txBody>
-      </p:sp>
-      <p:sp>
-        <p:nvSpPr>
-          <p:cNvPr id="23" name="TextBox 22">
-            <a:extLst>
-              <a:ext uri="{FF2B5EF4-FFF2-40B4-BE49-F238E27FC236}">
-                <a16:creationId xmlns:a16="http://schemas.microsoft.com/office/drawing/2014/main" id="{D0827FA3-A9D4-0FE5-45BE-664C8C920E82}"/>
-              </a:ext>
-            </a:extLst>
-          </p:cNvPr>
-          <p:cNvSpPr txBox="1"/>
-          <p:nvPr/>
-        </p:nvSpPr>
-        <p:spPr>
-          <a:xfrm>
-            <a:off x="2509807" y="1041533"/>
-            <a:ext cx="5029200" cy="4401205"/>
-          </a:xfrm>
-          <a:prstGeom prst="rect">
-            <a:avLst/>
-          </a:prstGeom>
-          <a:noFill/>
-        </p:spPr>
-        <p:txBody>
-          <a:bodyPr wrap="square" rtlCol="0">
-            <a:spAutoFit/>
-          </a:bodyPr>
-          <a:lstStyle/>
-          <a:p>
-            <a:pPr algn="l"/>
-            <a:endParaRPr lang="en-US" sz="2800" b="0" i="0" dirty="0">
-              <a:solidFill>
-                <a:srgbClr val="0D0D0D"/>
-              </a:solidFill>
-              <a:effectLst/>
-              <a:latin typeface="Times New Roman" panose="02020603050405020304" pitchFamily="18" charset="0"/>
-              <a:cs typeface="Times New Roman" panose="02020603050405020304" pitchFamily="18" charset="0"/>
-            </a:endParaRPr>
-          </a:p>
-          <a:p>
-            <a:pPr algn="l">
-              <a:buFont typeface="+mj-lt"/>
-              <a:buAutoNum type="arabicPeriod"/>
-            </a:pPr>
-            <a:r>
-              <a:rPr lang="en-US" sz="2800" b="0" i="0" dirty="0">
-                <a:solidFill>
-                  <a:srgbClr val="0D0D0D"/>
-                </a:solidFill>
-                <a:effectLst/>
-                <a:latin typeface="Times New Roman" panose="02020603050405020304" pitchFamily="18" charset="0"/>
-                <a:cs typeface="Times New Roman" panose="02020603050405020304" pitchFamily="18" charset="0"/>
-              </a:rPr>
-              <a:t>Problem Statement</a:t>
-            </a:r>
-          </a:p>
-          <a:p>
-            <a:pPr algn="l">
-              <a:buFont typeface="+mj-lt"/>
-              <a:buAutoNum type="arabicPeriod"/>
-            </a:pPr>
-            <a:r>
-              <a:rPr lang="en-US" sz="2800" b="0" i="0" dirty="0">
-                <a:solidFill>
-                  <a:srgbClr val="0D0D0D"/>
-                </a:solidFill>
-                <a:effectLst/>
-                <a:latin typeface="Times New Roman" panose="02020603050405020304" pitchFamily="18" charset="0"/>
-                <a:cs typeface="Times New Roman" panose="02020603050405020304" pitchFamily="18" charset="0"/>
-              </a:rPr>
-              <a:t>Project Overview</a:t>
-            </a:r>
-          </a:p>
-          <a:p>
-            <a:pPr algn="l">
-              <a:buFont typeface="+mj-lt"/>
-              <a:buAutoNum type="arabicPeriod"/>
-            </a:pPr>
-            <a:r>
-              <a:rPr lang="en-US" sz="2800" b="0" i="0" dirty="0">
-                <a:solidFill>
-                  <a:srgbClr val="0D0D0D"/>
-                </a:solidFill>
-                <a:effectLst/>
-                <a:latin typeface="Times New Roman" panose="02020603050405020304" pitchFamily="18" charset="0"/>
-                <a:cs typeface="Times New Roman" panose="02020603050405020304" pitchFamily="18" charset="0"/>
-              </a:rPr>
-              <a:t>End Users</a:t>
-            </a:r>
-          </a:p>
-          <a:p>
-            <a:pPr algn="l">
-              <a:buFont typeface="+mj-lt"/>
-              <a:buAutoNum type="arabicPeriod"/>
-            </a:pPr>
-            <a:r>
-              <a:rPr lang="en-US" sz="2800" b="0" i="0" dirty="0">
-                <a:solidFill>
-                  <a:srgbClr val="0D0D0D"/>
-                </a:solidFill>
-                <a:effectLst/>
-                <a:latin typeface="Times New Roman" panose="02020603050405020304" pitchFamily="18" charset="0"/>
-                <a:cs typeface="Times New Roman" panose="02020603050405020304" pitchFamily="18" charset="0"/>
-              </a:rPr>
-              <a:t>Our Solution and Proposition</a:t>
-            </a:r>
-          </a:p>
-          <a:p>
-            <a:pPr algn="l">
-              <a:buFont typeface="+mj-lt"/>
-              <a:buAutoNum type="arabicPeriod"/>
-            </a:pPr>
-            <a:r>
-              <a:rPr lang="en-US" sz="2800" dirty="0">
-                <a:solidFill>
-                  <a:srgbClr val="0D0D0D"/>
-                </a:solidFill>
-                <a:latin typeface="Times New Roman" panose="02020603050405020304" pitchFamily="18" charset="0"/>
-                <a:cs typeface="Times New Roman" panose="02020603050405020304" pitchFamily="18" charset="0"/>
-              </a:rPr>
-              <a:t>Dataset Description</a:t>
-            </a:r>
-            <a:endParaRPr lang="en-US" sz="2800" b="0" i="0" dirty="0">
-              <a:solidFill>
-                <a:srgbClr val="0D0D0D"/>
-              </a:solidFill>
-              <a:effectLst/>
-              <a:latin typeface="Times New Roman" panose="02020603050405020304" pitchFamily="18" charset="0"/>
-              <a:cs typeface="Times New Roman" panose="02020603050405020304" pitchFamily="18" charset="0"/>
-            </a:endParaRPr>
-          </a:p>
-          <a:p>
-            <a:pPr algn="l">
-              <a:buFont typeface="+mj-lt"/>
-              <a:buAutoNum type="arabicPeriod"/>
-            </a:pPr>
-            <a:r>
-              <a:rPr lang="en-US" sz="2800" b="0" i="0" dirty="0">
-                <a:solidFill>
-                  <a:srgbClr val="0D0D0D"/>
-                </a:solidFill>
-                <a:effectLst/>
-                <a:latin typeface="Times New Roman" panose="02020603050405020304" pitchFamily="18" charset="0"/>
-                <a:cs typeface="Times New Roman" panose="02020603050405020304" pitchFamily="18" charset="0"/>
-              </a:rPr>
-              <a:t>Modelling Approach</a:t>
-            </a:r>
-          </a:p>
-          <a:p>
-            <a:pPr algn="l">
-              <a:buFont typeface="+mj-lt"/>
-              <a:buAutoNum type="arabicPeriod"/>
-            </a:pPr>
-            <a:r>
-              <a:rPr lang="en-US" sz="2800" b="0" i="0" dirty="0">
-                <a:solidFill>
-                  <a:srgbClr val="0D0D0D"/>
-                </a:solidFill>
-                <a:effectLst/>
-                <a:latin typeface="Times New Roman" panose="02020603050405020304" pitchFamily="18" charset="0"/>
-                <a:cs typeface="Times New Roman" panose="02020603050405020304" pitchFamily="18" charset="0"/>
-              </a:rPr>
-              <a:t>Results and </a:t>
-            </a:r>
-            <a:r>
-              <a:rPr lang="en-US" sz="2800" dirty="0">
-                <a:solidFill>
-                  <a:srgbClr val="0D0D0D"/>
-                </a:solidFill>
-                <a:latin typeface="Times New Roman" panose="02020603050405020304" pitchFamily="18" charset="0"/>
-                <a:cs typeface="Times New Roman" panose="02020603050405020304" pitchFamily="18" charset="0"/>
-              </a:rPr>
-              <a:t>Discussion</a:t>
-            </a:r>
-            <a:endParaRPr lang="en-US" sz="2800" b="0" i="0" dirty="0">
-              <a:solidFill>
-                <a:srgbClr val="0D0D0D"/>
-              </a:solidFill>
-              <a:effectLst/>
-              <a:latin typeface="Times New Roman" panose="02020603050405020304" pitchFamily="18" charset="0"/>
-              <a:cs typeface="Times New Roman" panose="02020603050405020304" pitchFamily="18" charset="0"/>
-            </a:endParaRPr>
-          </a:p>
-          <a:p>
-            <a:pPr algn="l">
-              <a:buFont typeface="+mj-lt"/>
-              <a:buAutoNum type="arabicPeriod"/>
-            </a:pPr>
-            <a:r>
-              <a:rPr lang="en-US" sz="2800" b="0" i="0" dirty="0">
-                <a:solidFill>
-                  <a:srgbClr val="0D0D0D"/>
-                </a:solidFill>
-                <a:effectLst/>
-                <a:latin typeface="Times New Roman" panose="02020603050405020304" pitchFamily="18" charset="0"/>
-                <a:cs typeface="Times New Roman" panose="02020603050405020304" pitchFamily="18" charset="0"/>
-              </a:rPr>
-              <a:t>Conclusion</a:t>
-            </a:r>
-          </a:p>
-          <a:p>
-            <a:endParaRPr lang="en-IN" sz="2800" dirty="0">
-              <a:latin typeface="Times New Roman" panose="02020603050405020304" pitchFamily="18" charset="0"/>
-              <a:cs typeface="Times New Roman" panose="02020603050405020304" pitchFamily="18" charset="0"/>
-            </a:endParaRPr>
-          </a:p>
-        </p:txBody>
-      </p:sp>
-    </p:spTree>
-  </p:cSld>
-  <p:clrMapOvr>
-    <a:masterClrMapping/>
-  </p:clrMapOvr>
-  <mc:AlternateContent xmlns:mc="http://schemas.openxmlformats.org/markup-compatibility/2006" xmlns:p14="http://schemas.microsoft.com/office/powerpoint/2010/main">
-    <mc:Choice Requires="p14">
-      <p:transition spd="slow" p14:dur="800">
-        <p:diamond/>
-      </p:transition>
-    </mc:Choice>
-    <mc:Fallback xmlns="">
-      <p:transition spd="slow">
-        <p:diamond/>
-      </p:transition>
-    </mc:Fallback>
-  </mc:AlternateContent>
-</p:sld>
-</file>
-
-<file path=ppt/slides/slide4.xml><?xml version="1.0" encoding="utf-8"?>
-<p:sld xmlns:a="http://schemas.openxmlformats.org/drawingml/2006/main" xmlns:r="http://schemas.openxmlformats.org/officeDocument/2006/relationships" xmlns:p="http://schemas.openxmlformats.org/presentationml/2006/main">
-  <p:cSld>
-    <p:spTree>
-      <p:nvGrpSpPr>
-        <p:cNvPr id="1" name=""/>
-        <p:cNvGrpSpPr/>
-        <p:nvPr/>
-      </p:nvGrpSpPr>
-      <p:grpSpPr>
-        <a:xfrm>
-          <a:off x="0" y="0"/>
-          <a:ext cx="0" cy="0"/>
-          <a:chOff x="0" y="0"/>
-          <a:chExt cx="0" cy="0"/>
-        </a:xfrm>
-      </p:grpSpPr>
       <p:grpSp>
         <p:nvGrpSpPr>
           <p:cNvPr id="2" name="object 2"/>
@@ -15485,7 +13484,7 @@
             </a:pPr>
             <a:fld id="{81D60167-4931-47E6-BA6A-407CBD079E47}" type="slidenum">
               <a:rPr spc="10" dirty="0"/>
-              <a:t>4</a:t>
+              <a:t>3</a:t>
             </a:fld>
             <a:endParaRPr spc="10" dirty="0"/>
           </a:p>
@@ -15590,7 +13589,7 @@
 </p:sld>
 </file>
 
-<file path=ppt/slides/slide5.xml><?xml version="1.0" encoding="utf-8"?>
+<file path=ppt/slides/slide4.xml><?xml version="1.0" encoding="utf-8"?>
 <p:sld xmlns:a="http://schemas.openxmlformats.org/drawingml/2006/main" xmlns:r="http://schemas.openxmlformats.org/officeDocument/2006/relationships" xmlns:p="http://schemas.openxmlformats.org/presentationml/2006/main">
   <p:cSld>
     <p:spTree>
@@ -15873,7 +13872,7 @@
             </a:pPr>
             <a:fld id="{81D60167-4931-47E6-BA6A-407CBD079E47}" type="slidenum">
               <a:rPr spc="10" dirty="0"/>
-              <a:t>5</a:t>
+              <a:t>4</a:t>
             </a:fld>
             <a:endParaRPr spc="10" dirty="0"/>
           </a:p>
@@ -16012,7 +14011,7 @@
 </p:sld>
 </file>
 
-<file path=ppt/slides/slide6.xml><?xml version="1.0" encoding="utf-8"?>
+<file path=ppt/slides/slide5.xml><?xml version="1.0" encoding="utf-8"?>
 <p:sld xmlns:a="http://schemas.openxmlformats.org/drawingml/2006/main" xmlns:r="http://schemas.openxmlformats.org/officeDocument/2006/relationships" xmlns:p="http://schemas.openxmlformats.org/presentationml/2006/main">
   <p:cSld>
     <p:spTree>
@@ -16327,7 +14326,7 @@
             </a:pPr>
             <a:fld id="{81D60167-4931-47E6-BA6A-407CBD079E47}" type="slidenum">
               <a:rPr spc="10" dirty="0"/>
-              <a:t>6</a:t>
+              <a:t>5</a:t>
             </a:fld>
             <a:endParaRPr spc="10" dirty="0"/>
           </a:p>
@@ -16429,7 +14428,7 @@
 </p:sld>
 </file>
 
-<file path=ppt/slides/slide7.xml><?xml version="1.0" encoding="utf-8"?>
+<file path=ppt/slides/slide6.xml><?xml version="1.0" encoding="utf-8"?>
 <p:sld xmlns:a="http://schemas.openxmlformats.org/drawingml/2006/main" xmlns:r="http://schemas.openxmlformats.org/officeDocument/2006/relationships" xmlns:p="http://schemas.openxmlformats.org/presentationml/2006/main">
   <p:cSld>
     <p:spTree>
@@ -16829,7 +14828,7 @@
             </a:pPr>
             <a:fld id="{81D60167-4931-47E6-BA6A-407CBD079E47}" type="slidenum">
               <a:rPr spc="10" dirty="0"/>
-              <a:t>7</a:t>
+              <a:t>6</a:t>
             </a:fld>
             <a:endParaRPr spc="10" dirty="0"/>
           </a:p>
@@ -16930,7 +14929,7 @@
 </p:sld>
 </file>
 
-<file path=ppt/slides/slide8.xml><?xml version="1.0" encoding="utf-8"?>
+<file path=ppt/slides/slide7.xml><?xml version="1.0" encoding="utf-8"?>
 <p:sld xmlns:a="http://schemas.openxmlformats.org/drawingml/2006/main" xmlns:r="http://schemas.openxmlformats.org/officeDocument/2006/relationships" xmlns:p="http://schemas.openxmlformats.org/presentationml/2006/main">
   <p:cSld>
     <p:spTree>
@@ -17041,7 +15040,7 @@
 </p:sld>
 </file>
 
-<file path=ppt/slides/slide9.xml><?xml version="1.0" encoding="utf-8"?>
+<file path=ppt/slides/slide8.xml><?xml version="1.0" encoding="utf-8"?>
 <p:sld xmlns:a="http://schemas.openxmlformats.org/drawingml/2006/main" xmlns:r="http://schemas.openxmlformats.org/officeDocument/2006/relationships" xmlns:p="http://schemas.openxmlformats.org/presentationml/2006/main">
   <p:cSld>
     <p:spTree>
@@ -17219,6 +15218,567 @@
         <p14:creationId xmlns:p14="http://schemas.microsoft.com/office/powerpoint/2010/main" val="2720660618"/>
       </p:ext>
     </p:extLst>
+  </p:cSld>
+  <p:clrMapOvr>
+    <a:masterClrMapping/>
+  </p:clrMapOvr>
+  <mc:AlternateContent xmlns:mc="http://schemas.openxmlformats.org/markup-compatibility/2006" xmlns:p14="http://schemas.microsoft.com/office/powerpoint/2010/main">
+    <mc:Choice Requires="p14">
+      <p:transition spd="slow" p14:dur="800">
+        <p:diamond/>
+      </p:transition>
+    </mc:Choice>
+    <mc:Fallback xmlns="">
+      <p:transition spd="slow">
+        <p:diamond/>
+      </p:transition>
+    </mc:Fallback>
+  </mc:AlternateContent>
+</p:sld>
+</file>
+
+<file path=ppt/slides/slide9.xml><?xml version="1.0" encoding="utf-8"?>
+<p:sld xmlns:a="http://schemas.openxmlformats.org/drawingml/2006/main" xmlns:r="http://schemas.openxmlformats.org/officeDocument/2006/relationships" xmlns:p="http://schemas.openxmlformats.org/presentationml/2006/main">
+  <p:cSld>
+    <p:spTree>
+      <p:nvGrpSpPr>
+        <p:cNvPr id="1" name=""/>
+        <p:cNvGrpSpPr/>
+        <p:nvPr/>
+      </p:nvGrpSpPr>
+      <p:grpSpPr>
+        <a:xfrm>
+          <a:off x="0" y="0"/>
+          <a:ext cx="0" cy="0"/>
+          <a:chOff x="0" y="0"/>
+          <a:chExt cx="0" cy="0"/>
+        </a:xfrm>
+      </p:grpSpPr>
+      <p:sp>
+        <p:nvSpPr>
+          <p:cNvPr id="2" name="object 2"/>
+          <p:cNvSpPr txBox="1"/>
+          <p:nvPr/>
+        </p:nvSpPr>
+        <p:spPr>
+          <a:xfrm>
+            <a:off x="752475" y="6486037"/>
+            <a:ext cx="1773555" cy="166370"/>
+          </a:xfrm>
+          <a:prstGeom prst="rect">
+            <a:avLst/>
+          </a:prstGeom>
+        </p:spPr>
+        <p:txBody>
+          <a:bodyPr vert="horz" wrap="square" lIns="0" tIns="0" rIns="0" bIns="0" rtlCol="0">
+            <a:spAutoFit/>
+          </a:bodyPr>
+          <a:lstStyle/>
+          <a:p>
+            <a:pPr>
+              <a:lnSpc>
+                <a:spcPts val="1275"/>
+              </a:lnSpc>
+            </a:pPr>
+            <a:r>
+              <a:rPr sz="1100" spc="20" dirty="0">
+                <a:solidFill>
+                  <a:srgbClr val="2D83C3"/>
+                </a:solidFill>
+                <a:latin typeface="Trebuchet MS"/>
+                <a:cs typeface="Trebuchet MS"/>
+              </a:rPr>
+              <a:t>3/21/202</a:t>
+            </a:r>
+            <a:r>
+              <a:rPr sz="1100" spc="10" dirty="0">
+                <a:solidFill>
+                  <a:srgbClr val="2D83C3"/>
+                </a:solidFill>
+                <a:latin typeface="Trebuchet MS"/>
+                <a:cs typeface="Trebuchet MS"/>
+              </a:rPr>
+              <a:t>4</a:t>
+            </a:r>
+            <a:r>
+              <a:rPr sz="1100" dirty="0">
+                <a:solidFill>
+                  <a:srgbClr val="2D83C3"/>
+                </a:solidFill>
+                <a:latin typeface="Trebuchet MS"/>
+                <a:cs typeface="Trebuchet MS"/>
+              </a:rPr>
+              <a:t> </a:t>
+            </a:r>
+            <a:r>
+              <a:rPr sz="1100" spc="130" dirty="0">
+                <a:solidFill>
+                  <a:srgbClr val="2D83C3"/>
+                </a:solidFill>
+                <a:latin typeface="Trebuchet MS"/>
+                <a:cs typeface="Trebuchet MS"/>
+              </a:rPr>
+              <a:t> </a:t>
+            </a:r>
+            <a:r>
+              <a:rPr sz="1100" b="1" spc="50" dirty="0">
+                <a:solidFill>
+                  <a:srgbClr val="2D83C3"/>
+                </a:solidFill>
+                <a:latin typeface="Trebuchet MS"/>
+                <a:cs typeface="Trebuchet MS"/>
+              </a:rPr>
+              <a:t>A</a:t>
+            </a:r>
+            <a:r>
+              <a:rPr sz="1100" b="1" spc="15" dirty="0">
+                <a:solidFill>
+                  <a:srgbClr val="2D83C3"/>
+                </a:solidFill>
+                <a:latin typeface="Trebuchet MS"/>
+                <a:cs typeface="Trebuchet MS"/>
+              </a:rPr>
+              <a:t>nnu</a:t>
+            </a:r>
+            <a:r>
+              <a:rPr sz="1100" b="1" spc="10" dirty="0">
+                <a:solidFill>
+                  <a:srgbClr val="2D83C3"/>
+                </a:solidFill>
+                <a:latin typeface="Trebuchet MS"/>
+                <a:cs typeface="Trebuchet MS"/>
+              </a:rPr>
+              <a:t>al</a:t>
+            </a:r>
+            <a:r>
+              <a:rPr sz="1100" b="1" spc="-140" dirty="0">
+                <a:solidFill>
+                  <a:srgbClr val="2D83C3"/>
+                </a:solidFill>
+                <a:latin typeface="Trebuchet MS"/>
+                <a:cs typeface="Trebuchet MS"/>
+              </a:rPr>
+              <a:t> </a:t>
+            </a:r>
+            <a:r>
+              <a:rPr sz="1100" b="1" dirty="0">
+                <a:solidFill>
+                  <a:srgbClr val="2D83C3"/>
+                </a:solidFill>
+                <a:latin typeface="Trebuchet MS"/>
+                <a:cs typeface="Trebuchet MS"/>
+              </a:rPr>
+              <a:t>R</a:t>
+            </a:r>
+            <a:r>
+              <a:rPr sz="1100" b="1" spc="35" dirty="0">
+                <a:solidFill>
+                  <a:srgbClr val="2D83C3"/>
+                </a:solidFill>
+                <a:latin typeface="Trebuchet MS"/>
+                <a:cs typeface="Trebuchet MS"/>
+              </a:rPr>
+              <a:t>e</a:t>
+            </a:r>
+            <a:r>
+              <a:rPr sz="1100" b="1" spc="90" dirty="0">
+                <a:solidFill>
+                  <a:srgbClr val="2D83C3"/>
+                </a:solidFill>
+                <a:latin typeface="Trebuchet MS"/>
+                <a:cs typeface="Trebuchet MS"/>
+              </a:rPr>
+              <a:t>v</a:t>
+            </a:r>
+            <a:r>
+              <a:rPr sz="1100" b="1" spc="-35" dirty="0">
+                <a:solidFill>
+                  <a:srgbClr val="2D83C3"/>
+                </a:solidFill>
+                <a:latin typeface="Trebuchet MS"/>
+                <a:cs typeface="Trebuchet MS"/>
+              </a:rPr>
+              <a:t>i</a:t>
+            </a:r>
+            <a:r>
+              <a:rPr sz="1100" b="1" spc="35" dirty="0">
+                <a:solidFill>
+                  <a:srgbClr val="2D83C3"/>
+                </a:solidFill>
+                <a:latin typeface="Trebuchet MS"/>
+                <a:cs typeface="Trebuchet MS"/>
+              </a:rPr>
+              <a:t>e</a:t>
+            </a:r>
+            <a:r>
+              <a:rPr sz="1100" b="1" spc="15" dirty="0">
+                <a:solidFill>
+                  <a:srgbClr val="2D83C3"/>
+                </a:solidFill>
+                <a:latin typeface="Trebuchet MS"/>
+                <a:cs typeface="Trebuchet MS"/>
+              </a:rPr>
+              <a:t>w</a:t>
+            </a:r>
+            <a:endParaRPr sz="1100">
+              <a:latin typeface="Trebuchet MS"/>
+              <a:cs typeface="Trebuchet MS"/>
+            </a:endParaRPr>
+          </a:p>
+        </p:txBody>
+      </p:sp>
+      <p:sp>
+        <p:nvSpPr>
+          <p:cNvPr id="3" name="object 3"/>
+          <p:cNvSpPr/>
+          <p:nvPr/>
+        </p:nvSpPr>
+        <p:spPr>
+          <a:xfrm>
+            <a:off x="9353550" y="5362575"/>
+            <a:ext cx="457200" cy="457200"/>
+          </a:xfrm>
+          <a:custGeom>
+            <a:avLst/>
+            <a:gdLst/>
+            <a:ahLst/>
+            <a:cxnLst/>
+            <a:rect l="l" t="t" r="r" b="b"/>
+            <a:pathLst>
+              <a:path w="457200" h="457200">
+                <a:moveTo>
+                  <a:pt x="457200" y="0"/>
+                </a:moveTo>
+                <a:lnTo>
+                  <a:pt x="0" y="0"/>
+                </a:lnTo>
+                <a:lnTo>
+                  <a:pt x="0" y="457200"/>
+                </a:lnTo>
+                <a:lnTo>
+                  <a:pt x="457200" y="457200"/>
+                </a:lnTo>
+                <a:lnTo>
+                  <a:pt x="457200" y="0"/>
+                </a:lnTo>
+                <a:close/>
+              </a:path>
+            </a:pathLst>
+          </a:custGeom>
+          <a:solidFill>
+            <a:srgbClr val="42AF51"/>
+          </a:solidFill>
+        </p:spPr>
+        <p:txBody>
+          <a:bodyPr wrap="square" lIns="0" tIns="0" rIns="0" bIns="0" rtlCol="0"/>
+          <a:lstStyle/>
+          <a:p>
+            <a:endParaRPr/>
+          </a:p>
+        </p:txBody>
+      </p:sp>
+      <p:sp>
+        <p:nvSpPr>
+          <p:cNvPr id="4" name="object 4"/>
+          <p:cNvSpPr/>
+          <p:nvPr/>
+        </p:nvSpPr>
+        <p:spPr>
+          <a:xfrm>
+            <a:off x="6696075" y="1695450"/>
+            <a:ext cx="314325" cy="323850"/>
+          </a:xfrm>
+          <a:custGeom>
+            <a:avLst/>
+            <a:gdLst/>
+            <a:ahLst/>
+            <a:cxnLst/>
+            <a:rect l="l" t="t" r="r" b="b"/>
+            <a:pathLst>
+              <a:path w="314325" h="323850">
+                <a:moveTo>
+                  <a:pt x="314325" y="0"/>
+                </a:moveTo>
+                <a:lnTo>
+                  <a:pt x="0" y="0"/>
+                </a:lnTo>
+                <a:lnTo>
+                  <a:pt x="0" y="323850"/>
+                </a:lnTo>
+                <a:lnTo>
+                  <a:pt x="314325" y="323850"/>
+                </a:lnTo>
+                <a:lnTo>
+                  <a:pt x="314325" y="0"/>
+                </a:lnTo>
+                <a:close/>
+              </a:path>
+            </a:pathLst>
+          </a:custGeom>
+          <a:solidFill>
+            <a:srgbClr val="2D83C3"/>
+          </a:solidFill>
+        </p:spPr>
+        <p:txBody>
+          <a:bodyPr wrap="square" lIns="0" tIns="0" rIns="0" bIns="0" rtlCol="0"/>
+          <a:lstStyle/>
+          <a:p>
+            <a:endParaRPr/>
+          </a:p>
+        </p:txBody>
+      </p:sp>
+      <p:sp>
+        <p:nvSpPr>
+          <p:cNvPr id="5" name="object 5"/>
+          <p:cNvSpPr/>
+          <p:nvPr/>
+        </p:nvSpPr>
+        <p:spPr>
+          <a:xfrm>
+            <a:off x="9353550" y="5895975"/>
+            <a:ext cx="180975" cy="180975"/>
+          </a:xfrm>
+          <a:custGeom>
+            <a:avLst/>
+            <a:gdLst/>
+            <a:ahLst/>
+            <a:cxnLst/>
+            <a:rect l="l" t="t" r="r" b="b"/>
+            <a:pathLst>
+              <a:path w="180975" h="180975">
+                <a:moveTo>
+                  <a:pt x="180975" y="0"/>
+                </a:moveTo>
+                <a:lnTo>
+                  <a:pt x="0" y="0"/>
+                </a:lnTo>
+                <a:lnTo>
+                  <a:pt x="0" y="180975"/>
+                </a:lnTo>
+                <a:lnTo>
+                  <a:pt x="180975" y="180975"/>
+                </a:lnTo>
+                <a:lnTo>
+                  <a:pt x="180975" y="0"/>
+                </a:lnTo>
+                <a:close/>
+              </a:path>
+            </a:pathLst>
+          </a:custGeom>
+          <a:solidFill>
+            <a:srgbClr val="2D936B"/>
+          </a:solidFill>
+        </p:spPr>
+        <p:txBody>
+          <a:bodyPr wrap="square" lIns="0" tIns="0" rIns="0" bIns="0" rtlCol="0"/>
+          <a:lstStyle/>
+          <a:p>
+            <a:endParaRPr/>
+          </a:p>
+        </p:txBody>
+      </p:sp>
+      <p:pic>
+        <p:nvPicPr>
+          <p:cNvPr id="6" name="object 6"/>
+          <p:cNvPicPr/>
+          <p:nvPr/>
+        </p:nvPicPr>
+        <p:blipFill>
+          <a:blip r:embed="rId2" cstate="print"/>
+          <a:stretch>
+            <a:fillRect/>
+          </a:stretch>
+        </p:blipFill>
+        <p:spPr>
+          <a:xfrm>
+            <a:off x="66675" y="3381373"/>
+            <a:ext cx="2466975" cy="3419475"/>
+          </a:xfrm>
+          <a:prstGeom prst="rect">
+            <a:avLst/>
+          </a:prstGeom>
+        </p:spPr>
+      </p:pic>
+      <p:sp>
+        <p:nvSpPr>
+          <p:cNvPr id="7" name="object 7"/>
+          <p:cNvSpPr txBox="1">
+            <a:spLocks noGrp="1"/>
+          </p:cNvSpPr>
+          <p:nvPr>
+            <p:ph type="title"/>
+          </p:nvPr>
+        </p:nvSpPr>
+        <p:spPr>
+          <a:xfrm>
+            <a:off x="739775" y="654938"/>
+            <a:ext cx="8480425" cy="670696"/>
+          </a:xfrm>
+          <a:prstGeom prst="rect">
+            <a:avLst/>
+          </a:prstGeom>
+        </p:spPr>
+        <p:txBody>
+          <a:bodyPr vert="horz" wrap="square" lIns="0" tIns="16510" rIns="0" bIns="0" rtlCol="0">
+            <a:spAutoFit/>
+          </a:bodyPr>
+          <a:lstStyle/>
+          <a:p>
+            <a:pPr marL="12700">
+              <a:lnSpc>
+                <a:spcPct val="100000"/>
+              </a:lnSpc>
+              <a:spcBef>
+                <a:spcPts val="130"/>
+              </a:spcBef>
+            </a:pPr>
+            <a:r>
+              <a:rPr sz="4250" spc="15" dirty="0"/>
+              <a:t>THE</a:t>
+            </a:r>
+            <a:r>
+              <a:rPr sz="4250" spc="20" dirty="0"/>
+              <a:t> </a:t>
+            </a:r>
+            <a:r>
+              <a:rPr lang="en-US" sz="4250" spc="20" dirty="0"/>
+              <a:t>"</a:t>
+            </a:r>
+            <a:r>
+              <a:rPr sz="4250" spc="10" dirty="0"/>
+              <a:t>WOW</a:t>
+            </a:r>
+            <a:r>
+              <a:rPr lang="en-US" sz="4250" spc="10" dirty="0"/>
+              <a:t>"</a:t>
+            </a:r>
+            <a:r>
+              <a:rPr sz="4250" spc="85" dirty="0"/>
+              <a:t> </a:t>
+            </a:r>
+            <a:r>
+              <a:rPr sz="4250" spc="10" dirty="0"/>
+              <a:t>IN</a:t>
+            </a:r>
+            <a:r>
+              <a:rPr sz="4250" spc="-5" dirty="0"/>
+              <a:t> </a:t>
+            </a:r>
+            <a:r>
+              <a:rPr sz="4250" spc="15" dirty="0"/>
+              <a:t>OUR</a:t>
+            </a:r>
+            <a:r>
+              <a:rPr sz="4250" spc="-10" dirty="0"/>
+              <a:t> </a:t>
+            </a:r>
+            <a:r>
+              <a:rPr sz="4250" spc="20" dirty="0"/>
+              <a:t>SOLUTION</a:t>
+            </a:r>
+            <a:endParaRPr sz="4250" dirty="0"/>
+          </a:p>
+        </p:txBody>
+      </p:sp>
+      <p:sp>
+        <p:nvSpPr>
+          <p:cNvPr id="8" name="object 8"/>
+          <p:cNvSpPr txBox="1"/>
+          <p:nvPr/>
+        </p:nvSpPr>
+        <p:spPr>
+          <a:xfrm>
+            <a:off x="11277218" y="6473337"/>
+            <a:ext cx="228600" cy="191770"/>
+          </a:xfrm>
+          <a:prstGeom prst="rect">
+            <a:avLst/>
+          </a:prstGeom>
+        </p:spPr>
+        <p:txBody>
+          <a:bodyPr vert="horz" wrap="square" lIns="0" tIns="6985" rIns="0" bIns="0" rtlCol="0">
+            <a:spAutoFit/>
+          </a:bodyPr>
+          <a:lstStyle/>
+          <a:p>
+            <a:pPr marL="38100">
+              <a:lnSpc>
+                <a:spcPct val="100000"/>
+              </a:lnSpc>
+              <a:spcBef>
+                <a:spcPts val="55"/>
+              </a:spcBef>
+            </a:pPr>
+            <a:fld id="{81D60167-4931-47E6-BA6A-407CBD079E47}" type="slidenum">
+              <a:rPr sz="1100" spc="10" dirty="0">
+                <a:solidFill>
+                  <a:srgbClr val="2D936B"/>
+                </a:solidFill>
+                <a:latin typeface="Trebuchet MS"/>
+                <a:cs typeface="Trebuchet MS"/>
+              </a:rPr>
+              <a:t>9</a:t>
+            </a:fld>
+            <a:endParaRPr sz="1100">
+              <a:latin typeface="Trebuchet MS"/>
+              <a:cs typeface="Trebuchet MS"/>
+            </a:endParaRPr>
+          </a:p>
+        </p:txBody>
+      </p:sp>
+      <p:sp>
+        <p:nvSpPr>
+          <p:cNvPr id="9" name="TextBox 8">
+            <a:extLst>
+              <a:ext uri="{FF2B5EF4-FFF2-40B4-BE49-F238E27FC236}">
+                <a16:creationId xmlns:a16="http://schemas.microsoft.com/office/drawing/2014/main" id="{FAD9CEB2-36E1-0550-426B-2FAF97882044}"/>
+              </a:ext>
+            </a:extLst>
+          </p:cNvPr>
+          <p:cNvSpPr txBox="1"/>
+          <p:nvPr/>
+        </p:nvSpPr>
+        <p:spPr>
+          <a:xfrm>
+            <a:off x="2743200" y="2354703"/>
+            <a:ext cx="7696200" cy="2800767"/>
+          </a:xfrm>
+          <a:prstGeom prst="rect">
+            <a:avLst/>
+          </a:prstGeom>
+          <a:noFill/>
+        </p:spPr>
+        <p:txBody>
+          <a:bodyPr wrap="square" rtlCol="0">
+            <a:spAutoFit/>
+          </a:bodyPr>
+          <a:lstStyle/>
+          <a:p>
+            <a:pPr algn="l">
+              <a:buFont typeface="Arial" panose="020B0604020202020204" pitchFamily="34" charset="0"/>
+              <a:buChar char="•"/>
+            </a:pPr>
+            <a:endParaRPr lang="en-US" sz="3200" b="0" i="0" dirty="0">
+              <a:solidFill>
+                <a:srgbClr val="0D0D0D"/>
+              </a:solidFill>
+              <a:effectLst/>
+              <a:latin typeface="Times New Roman" panose="02020603050405020304" pitchFamily="18" charset="0"/>
+              <a:cs typeface="Times New Roman" panose="02020603050405020304" pitchFamily="18" charset="0"/>
+            </a:endParaRPr>
+          </a:p>
+          <a:p>
+            <a:r>
+              <a:rPr lang="en-IN" sz="3600" dirty="0">
+                <a:latin typeface="Times New Roman" panose="02020603050405020304" pitchFamily="18" charset="0"/>
+                <a:cs typeface="Times New Roman" panose="02020603050405020304" pitchFamily="18" charset="0"/>
+              </a:rPr>
+              <a:t>I have used both the pivot charts and slicers at the same time in data analysis so it makes it easy to understand for the users who uses it.</a:t>
+            </a:r>
+          </a:p>
+        </p:txBody>
+      </p:sp>
+    </p:spTree>
   </p:cSld>
   <p:clrMapOvr>
     <a:masterClrMapping/>
